--- a/Presentacion.pptx
+++ b/Presentacion.pptx
@@ -4,19 +4,23 @@
   <p:sldMasterIdLst>
     <p:sldMasterId id="2147483648" r:id="rId1"/>
   </p:sldMasterIdLst>
+  <p:notesMasterIdLst>
+    <p:notesMasterId r:id="rId15"/>
+  </p:notesMasterIdLst>
   <p:sldIdLst>
     <p:sldId id="256" r:id="rId2"/>
     <p:sldId id="257" r:id="rId3"/>
     <p:sldId id="258" r:id="rId4"/>
     <p:sldId id="259" r:id="rId5"/>
-    <p:sldId id="265" r:id="rId6"/>
-    <p:sldId id="267" r:id="rId7"/>
+    <p:sldId id="267" r:id="rId6"/>
+    <p:sldId id="265" r:id="rId7"/>
     <p:sldId id="261" r:id="rId8"/>
     <p:sldId id="260" r:id="rId9"/>
     <p:sldId id="268" r:id="rId10"/>
     <p:sldId id="262" r:id="rId11"/>
     <p:sldId id="266" r:id="rId12"/>
     <p:sldId id="263" r:id="rId13"/>
+    <p:sldId id="269" r:id="rId14"/>
   </p:sldIdLst>
   <p:sldSz cx="12192000" cy="6858000"/>
   <p:notesSz cx="6858000" cy="9144000"/>
@@ -123,6 +127,440 @@
 </p:presentation>
 </file>
 
+<file path=ppt/notesMasters/notesMaster1.xml><?xml version="1.0" encoding="utf-8"?>
+<p:notesMaster xmlns:a="http://schemas.openxmlformats.org/drawingml/2006/main" xmlns:r="http://schemas.openxmlformats.org/officeDocument/2006/relationships" xmlns:p="http://schemas.openxmlformats.org/presentationml/2006/main">
+  <p:cSld>
+    <p:bg>
+      <p:bgRef idx="1001">
+        <a:schemeClr val="bg1"/>
+      </p:bgRef>
+    </p:bg>
+    <p:spTree>
+      <p:nvGrpSpPr>
+        <p:cNvPr id="1" name=""/>
+        <p:cNvGrpSpPr/>
+        <p:nvPr/>
+      </p:nvGrpSpPr>
+      <p:grpSpPr>
+        <a:xfrm>
+          <a:off x="0" y="0"/>
+          <a:ext cx="0" cy="0"/>
+          <a:chOff x="0" y="0"/>
+          <a:chExt cx="0" cy="0"/>
+        </a:xfrm>
+      </p:grpSpPr>
+      <p:sp>
+        <p:nvSpPr>
+          <p:cNvPr id="2" name="Marcador de encabezado 1"/>
+          <p:cNvSpPr>
+            <a:spLocks noGrp="1"/>
+          </p:cNvSpPr>
+          <p:nvPr>
+            <p:ph type="hdr" sz="quarter"/>
+          </p:nvPr>
+        </p:nvSpPr>
+        <p:spPr>
+          <a:xfrm>
+            <a:off x="0" y="0"/>
+            <a:ext cx="2971800" cy="458788"/>
+          </a:xfrm>
+          <a:prstGeom prst="rect">
+            <a:avLst/>
+          </a:prstGeom>
+        </p:spPr>
+        <p:txBody>
+          <a:bodyPr vert="horz" lIns="91440" tIns="45720" rIns="91440" bIns="45720" rtlCol="0"/>
+          <a:lstStyle>
+            <a:lvl1pPr algn="l">
+              <a:defRPr sz="1200"/>
+            </a:lvl1pPr>
+          </a:lstStyle>
+          <a:p>
+            <a:endParaRPr lang="es-ES"/>
+          </a:p>
+        </p:txBody>
+      </p:sp>
+      <p:sp>
+        <p:nvSpPr>
+          <p:cNvPr id="3" name="Marcador de fecha 2"/>
+          <p:cNvSpPr>
+            <a:spLocks noGrp="1"/>
+          </p:cNvSpPr>
+          <p:nvPr>
+            <p:ph type="dt" idx="1"/>
+          </p:nvPr>
+        </p:nvSpPr>
+        <p:spPr>
+          <a:xfrm>
+            <a:off x="3884613" y="0"/>
+            <a:ext cx="2971800" cy="458788"/>
+          </a:xfrm>
+          <a:prstGeom prst="rect">
+            <a:avLst/>
+          </a:prstGeom>
+        </p:spPr>
+        <p:txBody>
+          <a:bodyPr vert="horz" lIns="91440" tIns="45720" rIns="91440" bIns="45720" rtlCol="0"/>
+          <a:lstStyle>
+            <a:lvl1pPr algn="r">
+              <a:defRPr sz="1200"/>
+            </a:lvl1pPr>
+          </a:lstStyle>
+          <a:p>
+            <a:fld id="{0C1F882E-2B7F-4D05-9D74-84480ED5BD17}" type="datetimeFigureOut">
+              <a:rPr lang="es-ES" smtClean="0"/>
+              <a:t>13/02/2019</a:t>
+            </a:fld>
+            <a:endParaRPr lang="es-ES"/>
+          </a:p>
+        </p:txBody>
+      </p:sp>
+      <p:sp>
+        <p:nvSpPr>
+          <p:cNvPr id="4" name="Marcador de imagen de diapositiva 3"/>
+          <p:cNvSpPr>
+            <a:spLocks noGrp="1" noRot="1" noChangeAspect="1"/>
+          </p:cNvSpPr>
+          <p:nvPr>
+            <p:ph type="sldImg" idx="2"/>
+          </p:nvPr>
+        </p:nvSpPr>
+        <p:spPr>
+          <a:xfrm>
+            <a:off x="685800" y="1143000"/>
+            <a:ext cx="5486400" cy="3086100"/>
+          </a:xfrm>
+          <a:prstGeom prst="rect">
+            <a:avLst/>
+          </a:prstGeom>
+          <a:noFill/>
+          <a:ln w="12700">
+            <a:solidFill>
+              <a:prstClr val="black"/>
+            </a:solidFill>
+          </a:ln>
+        </p:spPr>
+        <p:txBody>
+          <a:bodyPr vert="horz" lIns="91440" tIns="45720" rIns="91440" bIns="45720" rtlCol="0" anchor="ctr"/>
+          <a:lstStyle/>
+          <a:p>
+            <a:endParaRPr lang="es-ES"/>
+          </a:p>
+        </p:txBody>
+      </p:sp>
+      <p:sp>
+        <p:nvSpPr>
+          <p:cNvPr id="5" name="Marcador de notas 4"/>
+          <p:cNvSpPr>
+            <a:spLocks noGrp="1"/>
+          </p:cNvSpPr>
+          <p:nvPr>
+            <p:ph type="body" sz="quarter" idx="3"/>
+          </p:nvPr>
+        </p:nvSpPr>
+        <p:spPr>
+          <a:xfrm>
+            <a:off x="685800" y="4400550"/>
+            <a:ext cx="5486400" cy="3600450"/>
+          </a:xfrm>
+          <a:prstGeom prst="rect">
+            <a:avLst/>
+          </a:prstGeom>
+        </p:spPr>
+        <p:txBody>
+          <a:bodyPr vert="horz" lIns="91440" tIns="45720" rIns="91440" bIns="45720" rtlCol="0"/>
+          <a:lstStyle/>
+          <a:p>
+            <a:pPr lvl="0"/>
+            <a:r>
+              <a:rPr lang="es-ES" smtClean="0"/>
+              <a:t>Editar el estilo de texto del patrón</a:t>
+            </a:r>
+          </a:p>
+          <a:p>
+            <a:pPr lvl="1"/>
+            <a:r>
+              <a:rPr lang="es-ES" smtClean="0"/>
+              <a:t>Segundo nivel</a:t>
+            </a:r>
+          </a:p>
+          <a:p>
+            <a:pPr lvl="2"/>
+            <a:r>
+              <a:rPr lang="es-ES" smtClean="0"/>
+              <a:t>Tercer nivel</a:t>
+            </a:r>
+          </a:p>
+          <a:p>
+            <a:pPr lvl="3"/>
+            <a:r>
+              <a:rPr lang="es-ES" smtClean="0"/>
+              <a:t>Cuarto nivel</a:t>
+            </a:r>
+          </a:p>
+          <a:p>
+            <a:pPr lvl="4"/>
+            <a:r>
+              <a:rPr lang="es-ES" smtClean="0"/>
+              <a:t>Quinto nivel</a:t>
+            </a:r>
+            <a:endParaRPr lang="es-ES"/>
+          </a:p>
+        </p:txBody>
+      </p:sp>
+      <p:sp>
+        <p:nvSpPr>
+          <p:cNvPr id="6" name="Marcador de pie de página 5"/>
+          <p:cNvSpPr>
+            <a:spLocks noGrp="1"/>
+          </p:cNvSpPr>
+          <p:nvPr>
+            <p:ph type="ftr" sz="quarter" idx="4"/>
+          </p:nvPr>
+        </p:nvSpPr>
+        <p:spPr>
+          <a:xfrm>
+            <a:off x="0" y="8685213"/>
+            <a:ext cx="2971800" cy="458787"/>
+          </a:xfrm>
+          <a:prstGeom prst="rect">
+            <a:avLst/>
+          </a:prstGeom>
+        </p:spPr>
+        <p:txBody>
+          <a:bodyPr vert="horz" lIns="91440" tIns="45720" rIns="91440" bIns="45720" rtlCol="0" anchor="b"/>
+          <a:lstStyle>
+            <a:lvl1pPr algn="l">
+              <a:defRPr sz="1200"/>
+            </a:lvl1pPr>
+          </a:lstStyle>
+          <a:p>
+            <a:endParaRPr lang="es-ES"/>
+          </a:p>
+        </p:txBody>
+      </p:sp>
+      <p:sp>
+        <p:nvSpPr>
+          <p:cNvPr id="7" name="Marcador de número de diapositiva 6"/>
+          <p:cNvSpPr>
+            <a:spLocks noGrp="1"/>
+          </p:cNvSpPr>
+          <p:nvPr>
+            <p:ph type="sldNum" sz="quarter" idx="5"/>
+          </p:nvPr>
+        </p:nvSpPr>
+        <p:spPr>
+          <a:xfrm>
+            <a:off x="3884613" y="8685213"/>
+            <a:ext cx="2971800" cy="458787"/>
+          </a:xfrm>
+          <a:prstGeom prst="rect">
+            <a:avLst/>
+          </a:prstGeom>
+        </p:spPr>
+        <p:txBody>
+          <a:bodyPr vert="horz" lIns="91440" tIns="45720" rIns="91440" bIns="45720" rtlCol="0" anchor="b"/>
+          <a:lstStyle>
+            <a:lvl1pPr algn="r">
+              <a:defRPr sz="1200"/>
+            </a:lvl1pPr>
+          </a:lstStyle>
+          <a:p>
+            <a:fld id="{5A2D7D33-D338-4E5A-B0FB-03DCD8FB05FE}" type="slidenum">
+              <a:rPr lang="es-ES" smtClean="0"/>
+              <a:t>‹Nº›</a:t>
+            </a:fld>
+            <a:endParaRPr lang="es-ES"/>
+          </a:p>
+        </p:txBody>
+      </p:sp>
+    </p:spTree>
+    <p:extLst>
+      <p:ext uri="{BB962C8B-B14F-4D97-AF65-F5344CB8AC3E}">
+        <p14:creationId xmlns:p14="http://schemas.microsoft.com/office/powerpoint/2010/main" val="4153021951"/>
+      </p:ext>
+    </p:extLst>
+  </p:cSld>
+  <p:clrMap bg1="lt1" tx1="dk1" bg2="lt2" tx2="dk2" accent1="accent1" accent2="accent2" accent3="accent3" accent4="accent4" accent5="accent5" accent6="accent6" hlink="hlink" folHlink="folHlink"/>
+  <p:notesStyle>
+    <a:lvl1pPr marL="0" algn="l" defTabSz="914400" rtl="0" eaLnBrk="1" latinLnBrk="0" hangingPunct="1">
+      <a:defRPr sz="1200" kern="1200">
+        <a:solidFill>
+          <a:schemeClr val="tx1"/>
+        </a:solidFill>
+        <a:latin typeface="+mn-lt"/>
+        <a:ea typeface="+mn-ea"/>
+        <a:cs typeface="+mn-cs"/>
+      </a:defRPr>
+    </a:lvl1pPr>
+    <a:lvl2pPr marL="457200" algn="l" defTabSz="914400" rtl="0" eaLnBrk="1" latinLnBrk="0" hangingPunct="1">
+      <a:defRPr sz="1200" kern="1200">
+        <a:solidFill>
+          <a:schemeClr val="tx1"/>
+        </a:solidFill>
+        <a:latin typeface="+mn-lt"/>
+        <a:ea typeface="+mn-ea"/>
+        <a:cs typeface="+mn-cs"/>
+      </a:defRPr>
+    </a:lvl2pPr>
+    <a:lvl3pPr marL="914400" algn="l" defTabSz="914400" rtl="0" eaLnBrk="1" latinLnBrk="0" hangingPunct="1">
+      <a:defRPr sz="1200" kern="1200">
+        <a:solidFill>
+          <a:schemeClr val="tx1"/>
+        </a:solidFill>
+        <a:latin typeface="+mn-lt"/>
+        <a:ea typeface="+mn-ea"/>
+        <a:cs typeface="+mn-cs"/>
+      </a:defRPr>
+    </a:lvl3pPr>
+    <a:lvl4pPr marL="1371600" algn="l" defTabSz="914400" rtl="0" eaLnBrk="1" latinLnBrk="0" hangingPunct="1">
+      <a:defRPr sz="1200" kern="1200">
+        <a:solidFill>
+          <a:schemeClr val="tx1"/>
+        </a:solidFill>
+        <a:latin typeface="+mn-lt"/>
+        <a:ea typeface="+mn-ea"/>
+        <a:cs typeface="+mn-cs"/>
+      </a:defRPr>
+    </a:lvl4pPr>
+    <a:lvl5pPr marL="1828800" algn="l" defTabSz="914400" rtl="0" eaLnBrk="1" latinLnBrk="0" hangingPunct="1">
+      <a:defRPr sz="1200" kern="1200">
+        <a:solidFill>
+          <a:schemeClr val="tx1"/>
+        </a:solidFill>
+        <a:latin typeface="+mn-lt"/>
+        <a:ea typeface="+mn-ea"/>
+        <a:cs typeface="+mn-cs"/>
+      </a:defRPr>
+    </a:lvl5pPr>
+    <a:lvl6pPr marL="2286000" algn="l" defTabSz="914400" rtl="0" eaLnBrk="1" latinLnBrk="0" hangingPunct="1">
+      <a:defRPr sz="1200" kern="1200">
+        <a:solidFill>
+          <a:schemeClr val="tx1"/>
+        </a:solidFill>
+        <a:latin typeface="+mn-lt"/>
+        <a:ea typeface="+mn-ea"/>
+        <a:cs typeface="+mn-cs"/>
+      </a:defRPr>
+    </a:lvl6pPr>
+    <a:lvl7pPr marL="2743200" algn="l" defTabSz="914400" rtl="0" eaLnBrk="1" latinLnBrk="0" hangingPunct="1">
+      <a:defRPr sz="1200" kern="1200">
+        <a:solidFill>
+          <a:schemeClr val="tx1"/>
+        </a:solidFill>
+        <a:latin typeface="+mn-lt"/>
+        <a:ea typeface="+mn-ea"/>
+        <a:cs typeface="+mn-cs"/>
+      </a:defRPr>
+    </a:lvl7pPr>
+    <a:lvl8pPr marL="3200400" algn="l" defTabSz="914400" rtl="0" eaLnBrk="1" latinLnBrk="0" hangingPunct="1">
+      <a:defRPr sz="1200" kern="1200">
+        <a:solidFill>
+          <a:schemeClr val="tx1"/>
+        </a:solidFill>
+        <a:latin typeface="+mn-lt"/>
+        <a:ea typeface="+mn-ea"/>
+        <a:cs typeface="+mn-cs"/>
+      </a:defRPr>
+    </a:lvl8pPr>
+    <a:lvl9pPr marL="3657600" algn="l" defTabSz="914400" rtl="0" eaLnBrk="1" latinLnBrk="0" hangingPunct="1">
+      <a:defRPr sz="1200" kern="1200">
+        <a:solidFill>
+          <a:schemeClr val="tx1"/>
+        </a:solidFill>
+        <a:latin typeface="+mn-lt"/>
+        <a:ea typeface="+mn-ea"/>
+        <a:cs typeface="+mn-cs"/>
+      </a:defRPr>
+    </a:lvl9pPr>
+  </p:notesStyle>
+</p:notesMaster>
+</file>
+
+<file path=ppt/notesSlides/notesSlide1.xml><?xml version="1.0" encoding="utf-8"?>
+<p:notes xmlns:a="http://schemas.openxmlformats.org/drawingml/2006/main" xmlns:r="http://schemas.openxmlformats.org/officeDocument/2006/relationships" xmlns:p="http://schemas.openxmlformats.org/presentationml/2006/main">
+  <p:cSld>
+    <p:spTree>
+      <p:nvGrpSpPr>
+        <p:cNvPr id="1" name=""/>
+        <p:cNvGrpSpPr/>
+        <p:nvPr/>
+      </p:nvGrpSpPr>
+      <p:grpSpPr>
+        <a:xfrm>
+          <a:off x="0" y="0"/>
+          <a:ext cx="0" cy="0"/>
+          <a:chOff x="0" y="0"/>
+          <a:chExt cx="0" cy="0"/>
+        </a:xfrm>
+      </p:grpSpPr>
+      <p:sp>
+        <p:nvSpPr>
+          <p:cNvPr id="2" name="Marcador de imagen de diapositiva 1"/>
+          <p:cNvSpPr>
+            <a:spLocks noGrp="1" noRot="1" noChangeAspect="1"/>
+          </p:cNvSpPr>
+          <p:nvPr>
+            <p:ph type="sldImg"/>
+          </p:nvPr>
+        </p:nvSpPr>
+        <p:spPr/>
+      </p:sp>
+      <p:sp>
+        <p:nvSpPr>
+          <p:cNvPr id="3" name="Marcador de notas 2"/>
+          <p:cNvSpPr>
+            <a:spLocks noGrp="1"/>
+          </p:cNvSpPr>
+          <p:nvPr>
+            <p:ph type="body" idx="1"/>
+          </p:nvPr>
+        </p:nvSpPr>
+        <p:spPr/>
+        <p:txBody>
+          <a:bodyPr/>
+          <a:lstStyle/>
+          <a:p>
+            <a:endParaRPr lang="es-ES" dirty="0"/>
+          </a:p>
+        </p:txBody>
+      </p:sp>
+      <p:sp>
+        <p:nvSpPr>
+          <p:cNvPr id="4" name="Marcador de número de diapositiva 3"/>
+          <p:cNvSpPr>
+            <a:spLocks noGrp="1"/>
+          </p:cNvSpPr>
+          <p:nvPr>
+            <p:ph type="sldNum" sz="quarter" idx="10"/>
+          </p:nvPr>
+        </p:nvSpPr>
+        <p:spPr/>
+        <p:txBody>
+          <a:bodyPr/>
+          <a:lstStyle/>
+          <a:p>
+            <a:fld id="{5A2D7D33-D338-4E5A-B0FB-03DCD8FB05FE}" type="slidenum">
+              <a:rPr lang="es-ES" smtClean="0"/>
+              <a:t>2</a:t>
+            </a:fld>
+            <a:endParaRPr lang="es-ES"/>
+          </a:p>
+        </p:txBody>
+      </p:sp>
+    </p:spTree>
+    <p:extLst>
+      <p:ext uri="{BB962C8B-B14F-4D97-AF65-F5344CB8AC3E}">
+        <p14:creationId xmlns:p14="http://schemas.microsoft.com/office/powerpoint/2010/main" val="3840550900"/>
+      </p:ext>
+    </p:extLst>
+  </p:cSld>
+  <p:clrMapOvr>
+    <a:masterClrMapping/>
+  </p:clrMapOvr>
+</p:notes>
+</file>
+
 <file path=ppt/slideLayouts/slideLayout1.xml><?xml version="1.0" encoding="utf-8"?>
 <p:sldLayout xmlns:a="http://schemas.openxmlformats.org/drawingml/2006/main" xmlns:r="http://schemas.openxmlformats.org/officeDocument/2006/relationships" xmlns:p="http://schemas.openxmlformats.org/presentationml/2006/main" type="title" preserve="1">
   <p:cSld name="Diapositiva de título">
@@ -252,7 +690,7 @@
           <a:bodyPr/>
           <a:lstStyle/>
           <a:p>
-            <a:fld id="{D024D671-C0FE-4820-8F27-E1A0353F7A9B}" type="datetimeFigureOut">
+            <a:fld id="{85442039-68D5-48D8-8A16-6162017B57C4}" type="datetime1">
               <a:rPr lang="es-ES" smtClean="0"/>
               <a:t>13/02/2019</a:t>
             </a:fld>
@@ -422,7 +860,7 @@
           <a:bodyPr/>
           <a:lstStyle/>
           <a:p>
-            <a:fld id="{D024D671-C0FE-4820-8F27-E1A0353F7A9B}" type="datetimeFigureOut">
+            <a:fld id="{114DC21E-3890-433D-94EC-F8E29F670E52}" type="datetime1">
               <a:rPr lang="es-ES" smtClean="0"/>
               <a:t>13/02/2019</a:t>
             </a:fld>
@@ -602,7 +1040,7 @@
           <a:bodyPr/>
           <a:lstStyle/>
           <a:p>
-            <a:fld id="{D024D671-C0FE-4820-8F27-E1A0353F7A9B}" type="datetimeFigureOut">
+            <a:fld id="{F213EA15-135E-45FD-A794-2A122FDDF89A}" type="datetime1">
               <a:rPr lang="es-ES" smtClean="0"/>
               <a:t>13/02/2019</a:t>
             </a:fld>
@@ -772,7 +1210,7 @@
           <a:bodyPr/>
           <a:lstStyle/>
           <a:p>
-            <a:fld id="{D024D671-C0FE-4820-8F27-E1A0353F7A9B}" type="datetimeFigureOut">
+            <a:fld id="{4DC0E519-1EFA-42FE-B2AD-844AE36B5417}" type="datetime1">
               <a:rPr lang="es-ES" smtClean="0"/>
               <a:t>13/02/2019</a:t>
             </a:fld>
@@ -1018,7 +1456,7 @@
           <a:bodyPr/>
           <a:lstStyle/>
           <a:p>
-            <a:fld id="{D024D671-C0FE-4820-8F27-E1A0353F7A9B}" type="datetimeFigureOut">
+            <a:fld id="{0AA92970-359A-4C61-8D7D-735ADB087826}" type="datetime1">
               <a:rPr lang="es-ES" smtClean="0"/>
               <a:t>13/02/2019</a:t>
             </a:fld>
@@ -1250,7 +1688,7 @@
           <a:bodyPr/>
           <a:lstStyle/>
           <a:p>
-            <a:fld id="{D024D671-C0FE-4820-8F27-E1A0353F7A9B}" type="datetimeFigureOut">
+            <a:fld id="{52229B7A-5D90-4FF1-8754-168C6DC3B0EC}" type="datetime1">
               <a:rPr lang="es-ES" smtClean="0"/>
               <a:t>13/02/2019</a:t>
             </a:fld>
@@ -1617,7 +2055,7 @@
           <a:bodyPr/>
           <a:lstStyle/>
           <a:p>
-            <a:fld id="{D024D671-C0FE-4820-8F27-E1A0353F7A9B}" type="datetimeFigureOut">
+            <a:fld id="{B64F0AEE-1FC6-4EA8-A036-E52B5253E926}" type="datetime1">
               <a:rPr lang="es-ES" smtClean="0"/>
               <a:t>13/02/2019</a:t>
             </a:fld>
@@ -1735,7 +2173,7 @@
           <a:bodyPr/>
           <a:lstStyle/>
           <a:p>
-            <a:fld id="{D024D671-C0FE-4820-8F27-E1A0353F7A9B}" type="datetimeFigureOut">
+            <a:fld id="{D62B11BF-546B-4AD4-BFB9-4FCD59B637CD}" type="datetime1">
               <a:rPr lang="es-ES" smtClean="0"/>
               <a:t>13/02/2019</a:t>
             </a:fld>
@@ -1830,7 +2268,7 @@
           <a:bodyPr/>
           <a:lstStyle/>
           <a:p>
-            <a:fld id="{D024D671-C0FE-4820-8F27-E1A0353F7A9B}" type="datetimeFigureOut">
+            <a:fld id="{CE116CF1-F4E8-4E70-8375-304925580F65}" type="datetime1">
               <a:rPr lang="es-ES" smtClean="0"/>
               <a:t>13/02/2019</a:t>
             </a:fld>
@@ -2107,7 +2545,7 @@
           <a:bodyPr/>
           <a:lstStyle/>
           <a:p>
-            <a:fld id="{D024D671-C0FE-4820-8F27-E1A0353F7A9B}" type="datetimeFigureOut">
+            <a:fld id="{30562185-A71C-4B22-BA45-9B7330BA9E2A}" type="datetime1">
               <a:rPr lang="es-ES" smtClean="0"/>
               <a:t>13/02/2019</a:t>
             </a:fld>
@@ -2360,7 +2798,7 @@
           <a:bodyPr/>
           <a:lstStyle/>
           <a:p>
-            <a:fld id="{D024D671-C0FE-4820-8F27-E1A0353F7A9B}" type="datetimeFigureOut">
+            <a:fld id="{F72FBD90-3D82-449C-A94F-25203F38CAB2}" type="datetime1">
               <a:rPr lang="es-ES" smtClean="0"/>
               <a:t>13/02/2019</a:t>
             </a:fld>
@@ -2573,7 +3011,7 @@
             </a:lvl1pPr>
           </a:lstStyle>
           <a:p>
-            <a:fld id="{D024D671-C0FE-4820-8F27-E1A0353F7A9B}" type="datetimeFigureOut">
+            <a:fld id="{436E3295-0DCD-470D-9F08-BCA53857C684}" type="datetime1">
               <a:rPr lang="es-ES" smtClean="0"/>
               <a:t>13/02/2019</a:t>
             </a:fld>
@@ -2680,6 +3118,7 @@
     <p:sldLayoutId id="2147483658" r:id="rId10"/>
     <p:sldLayoutId id="2147483659" r:id="rId11"/>
   </p:sldLayoutIdLst>
+  <p:hf hdr="0" ftr="0" dt="0"/>
   <p:txStyles>
     <p:titleStyle>
       <a:lvl1pPr algn="l" defTabSz="914400" rtl="0" eaLnBrk="1" latinLnBrk="0" hangingPunct="1">
@@ -2990,16 +3429,37 @@
             <p:ph type="ctrTitle"/>
           </p:nvPr>
         </p:nvSpPr>
-        <p:spPr/>
+        <p:spPr>
+          <a:xfrm>
+            <a:off x="1556085" y="1764048"/>
+            <a:ext cx="9144000" cy="2387600"/>
+          </a:xfrm>
+        </p:spPr>
         <p:txBody>
           <a:bodyPr/>
           <a:lstStyle/>
           <a:p>
             <a:r>
-              <a:rPr lang="es-ES" dirty="0" smtClean="0"/>
+              <a:rPr lang="es-ES" b="1" dirty="0" smtClean="0">
+                <a:effectLst>
+                  <a:outerShdw blurRad="38100" dist="38100" dir="2700000" algn="tl">
+                    <a:srgbClr val="000000">
+                      <a:alpha val="43137"/>
+                    </a:srgbClr>
+                  </a:outerShdw>
+                </a:effectLst>
+              </a:rPr>
               <a:t>AMPLIACIÓN DE MATEMÁTICAS </a:t>
             </a:r>
-            <a:endParaRPr lang="es-ES" dirty="0"/>
+            <a:endParaRPr lang="es-ES" b="1" dirty="0">
+              <a:effectLst>
+                <a:outerShdw blurRad="38100" dist="38100" dir="2700000" algn="tl">
+                  <a:srgbClr val="000000">
+                    <a:alpha val="43137"/>
+                  </a:srgbClr>
+                </a:outerShdw>
+              </a:effectLst>
+            </a:endParaRPr>
           </a:p>
         </p:txBody>
       </p:sp>
@@ -3013,12 +3473,65 @@
             <p:ph type="subTitle" idx="1"/>
           </p:nvPr>
         </p:nvSpPr>
-        <p:spPr/>
+        <p:spPr>
+          <a:xfrm>
+            <a:off x="1820779" y="4945564"/>
+            <a:ext cx="8614611" cy="1655762"/>
+          </a:xfrm>
+        </p:spPr>
         <p:txBody>
           <a:bodyPr/>
           <a:lstStyle/>
           <a:p>
-            <a:endParaRPr lang="es-ES" dirty="0"/>
+            <a:r>
+              <a:rPr lang="es-ES" b="1" dirty="0" smtClean="0">
+                <a:solidFill>
+                  <a:srgbClr val="002060"/>
+                </a:solidFill>
+              </a:rPr>
+              <a:t>Blanca </a:t>
+            </a:r>
+            <a:r>
+              <a:rPr lang="es-ES" b="1" dirty="0" err="1" smtClean="0">
+                <a:solidFill>
+                  <a:srgbClr val="002060"/>
+                </a:solidFill>
+              </a:rPr>
+              <a:t>Boado</a:t>
+            </a:r>
+            <a:r>
+              <a:rPr lang="es-ES" b="1" dirty="0" smtClean="0">
+                <a:solidFill>
+                  <a:srgbClr val="002060"/>
+                </a:solidFill>
+              </a:rPr>
+              <a:t> Cuartero</a:t>
+            </a:r>
+          </a:p>
+          <a:p>
+            <a:r>
+              <a:rPr lang="es-ES" b="1" dirty="0" smtClean="0">
+                <a:solidFill>
+                  <a:srgbClr val="002060"/>
+                </a:solidFill>
+              </a:rPr>
+              <a:t>Ignacio García Guerrero</a:t>
+            </a:r>
+          </a:p>
+          <a:p>
+            <a:r>
+              <a:rPr lang="es-ES" b="1" dirty="0" smtClean="0">
+                <a:solidFill>
+                  <a:srgbClr val="002060"/>
+                </a:solidFill>
+              </a:rPr>
+              <a:t>David Fernández Pulido</a:t>
+            </a:r>
+            <a:endParaRPr lang="es-ES" b="1" dirty="0">
+              <a:solidFill>
+                <a:srgbClr val="002060"/>
+              </a:solidFill>
+            </a:endParaRPr>
           </a:p>
         </p:txBody>
       </p:sp>
@@ -3046,6 +3559,29 @@
           </a:prstGeom>
         </p:spPr>
       </p:pic>
+      <p:sp>
+        <p:nvSpPr>
+          <p:cNvPr id="5" name="Marcador de número de diapositiva 4"/>
+          <p:cNvSpPr>
+            <a:spLocks noGrp="1"/>
+          </p:cNvSpPr>
+          <p:nvPr>
+            <p:ph type="sldNum" sz="quarter" idx="12"/>
+          </p:nvPr>
+        </p:nvSpPr>
+        <p:spPr/>
+        <p:txBody>
+          <a:bodyPr/>
+          <a:lstStyle/>
+          <a:p>
+            <a:fld id="{B6E54122-A161-4A28-A205-323FD116BF0F}" type="slidenum">
+              <a:rPr lang="es-ES" smtClean="0"/>
+              <a:t>1</a:t>
+            </a:fld>
+            <a:endParaRPr lang="es-ES" dirty="0"/>
+          </a:p>
+        </p:txBody>
+      </p:sp>
     </p:spTree>
     <p:extLst>
       <p:ext uri="{BB962C8B-B14F-4D97-AF65-F5344CB8AC3E}">
@@ -3438,7 +3974,7 @@
             <p:spPr>
               <a:xfrm>
                 <a:off x="4710851" y="2061911"/>
-                <a:ext cx="2417371" cy="1037528"/>
+                <a:ext cx="2417371" cy="907749"/>
               </a:xfrm>
               <a:prstGeom prst="rect">
                 <a:avLst/>
@@ -3462,30 +3998,42 @@
                     <m:oMath xmlns:m="http://schemas.openxmlformats.org/officeDocument/2006/math">
                       <m:acc>
                         <m:accPr>
-                          <m:chr m:val="̈"/>
+                          <m:chr m:val="⃗"/>
                           <m:ctrlPr>
-                            <a:rPr lang="es-ES" sz="3200" i="1" smtClean="0">
+                            <a:rPr lang="es-ES" sz="2800" b="0" i="1" smtClean="0">
                               <a:latin typeface="Cambria Math" panose="02040503050406030204" pitchFamily="18" charset="0"/>
                             </a:rPr>
                           </m:ctrlPr>
                         </m:accPr>
                         <m:e>
-                          <m:r>
-                            <a:rPr lang="es-ES" sz="3200" b="0" i="1" smtClean="0">
-                              <a:latin typeface="Cambria Math" panose="02040503050406030204" pitchFamily="18" charset="0"/>
-                            </a:rPr>
-                            <m:t>𝑟</m:t>
-                          </m:r>
+                          <m:acc>
+                            <m:accPr>
+                              <m:chr m:val="̈"/>
+                              <m:ctrlPr>
+                                <a:rPr lang="es-ES" sz="2800" b="0" i="1" smtClean="0">
+                                  <a:latin typeface="Cambria Math" panose="02040503050406030204" pitchFamily="18" charset="0"/>
+                                </a:rPr>
+                              </m:ctrlPr>
+                            </m:accPr>
+                            <m:e>
+                              <m:r>
+                                <a:rPr lang="es-ES" sz="2800" b="0" i="1" smtClean="0">
+                                  <a:latin typeface="Cambria Math" panose="02040503050406030204" pitchFamily="18" charset="0"/>
+                                </a:rPr>
+                                <m:t>𝑟</m:t>
+                              </m:r>
+                            </m:e>
+                          </m:acc>
                         </m:e>
                       </m:acc>
                       <m:r>
-                        <a:rPr lang="es-ES" sz="3200" b="0" i="1" smtClean="0">
+                        <a:rPr lang="es-ES" sz="2800" b="0" i="1" smtClean="0">
                           <a:latin typeface="Cambria Math" panose="02040503050406030204" pitchFamily="18" charset="0"/>
                         </a:rPr>
                         <m:t>=−</m:t>
                       </m:r>
                       <m:r>
-                        <a:rPr lang="es-ES" sz="3200" b="0" i="1" smtClean="0">
+                        <a:rPr lang="es-ES" sz="2800" b="0" i="1" smtClean="0">
                           <a:latin typeface="Cambria Math" panose="02040503050406030204" pitchFamily="18" charset="0"/>
                           <a:ea typeface="Cambria Math" panose="02040503050406030204" pitchFamily="18" charset="0"/>
                         </a:rPr>
@@ -3494,7 +4042,7 @@
                       <m:f>
                         <m:fPr>
                           <m:ctrlPr>
-                            <a:rPr lang="es-ES" sz="3200" b="0" i="1" smtClean="0">
+                            <a:rPr lang="es-ES" sz="2800" b="0" i="1" smtClean="0">
                               <a:latin typeface="Cambria Math" panose="02040503050406030204" pitchFamily="18" charset="0"/>
                               <a:ea typeface="Cambria Math" panose="02040503050406030204" pitchFamily="18" charset="0"/>
                             </a:rPr>
@@ -3505,7 +4053,7 @@
                             <m:accPr>
                               <m:chr m:val="⃗"/>
                               <m:ctrlPr>
-                                <a:rPr lang="es-ES" sz="3200" b="0" i="1" smtClean="0">
+                                <a:rPr lang="es-ES" sz="2800" b="0" i="1" smtClean="0">
                                   <a:latin typeface="Cambria Math" panose="02040503050406030204" pitchFamily="18" charset="0"/>
                                   <a:ea typeface="Cambria Math" panose="02040503050406030204" pitchFamily="18" charset="0"/>
                                 </a:rPr>
@@ -3513,7 +4061,7 @@
                             </m:accPr>
                             <m:e>
                               <m:r>
-                                <a:rPr lang="es-ES" sz="3200" b="0" i="1" smtClean="0">
+                                <a:rPr lang="es-ES" sz="2800" b="0" i="1" smtClean="0">
                                   <a:latin typeface="Cambria Math" panose="02040503050406030204" pitchFamily="18" charset="0"/>
                                   <a:ea typeface="Cambria Math" panose="02040503050406030204" pitchFamily="18" charset="0"/>
                                 </a:rPr>
@@ -3526,7 +4074,7 @@
                           <m:sSup>
                             <m:sSupPr>
                               <m:ctrlPr>
-                                <a:rPr lang="es-ES" sz="3200" b="0" i="1" smtClean="0">
+                                <a:rPr lang="es-ES" sz="2800" b="0" i="1" smtClean="0">
                                   <a:latin typeface="Cambria Math" panose="02040503050406030204" pitchFamily="18" charset="0"/>
                                   <a:ea typeface="Cambria Math" panose="02040503050406030204" pitchFamily="18" charset="0"/>
                                 </a:rPr>
@@ -3538,26 +4086,39 @@
                                   <m:begChr m:val="|"/>
                                   <m:endChr m:val="|"/>
                                   <m:ctrlPr>
-                                    <a:rPr lang="es-ES" sz="3200" b="0" i="1" smtClean="0">
+                                    <a:rPr lang="es-ES" sz="2800" b="0" i="1" smtClean="0">
                                       <a:latin typeface="Cambria Math" panose="02040503050406030204" pitchFamily="18" charset="0"/>
                                       <a:ea typeface="Cambria Math" panose="02040503050406030204" pitchFamily="18" charset="0"/>
                                     </a:rPr>
                                   </m:ctrlPr>
                                 </m:dPr>
                                 <m:e>
-                                  <m:r>
-                                    <a:rPr lang="es-ES" sz="3200" b="0" i="1" smtClean="0">
-                                      <a:latin typeface="Cambria Math" panose="02040503050406030204" pitchFamily="18" charset="0"/>
-                                      <a:ea typeface="Cambria Math" panose="02040503050406030204" pitchFamily="18" charset="0"/>
-                                    </a:rPr>
-                                    <m:t>𝑟</m:t>
-                                  </m:r>
+                                  <m:acc>
+                                    <m:accPr>
+                                      <m:chr m:val="⃗"/>
+                                      <m:ctrlPr>
+                                        <a:rPr lang="es-ES" sz="2800" b="0" i="1" smtClean="0">
+                                          <a:latin typeface="Cambria Math" panose="02040503050406030204" pitchFamily="18" charset="0"/>
+                                          <a:ea typeface="Cambria Math" panose="02040503050406030204" pitchFamily="18" charset="0"/>
+                                        </a:rPr>
+                                      </m:ctrlPr>
+                                    </m:accPr>
+                                    <m:e>
+                                      <m:r>
+                                        <a:rPr lang="es-ES" sz="2800" b="0" i="1" smtClean="0">
+                                          <a:latin typeface="Cambria Math" panose="02040503050406030204" pitchFamily="18" charset="0"/>
+                                          <a:ea typeface="Cambria Math" panose="02040503050406030204" pitchFamily="18" charset="0"/>
+                                        </a:rPr>
+                                        <m:t>𝑟</m:t>
+                                      </m:r>
+                                    </m:e>
+                                  </m:acc>
                                 </m:e>
                               </m:d>
                             </m:e>
                             <m:sup>
                               <m:r>
-                                <a:rPr lang="es-ES" sz="3200" b="0" i="1" smtClean="0">
+                                <a:rPr lang="es-ES" sz="2800" b="0" i="1" smtClean="0">
                                   <a:latin typeface="Cambria Math" panose="02040503050406030204" pitchFamily="18" charset="0"/>
                                   <a:ea typeface="Cambria Math" panose="02040503050406030204" pitchFamily="18" charset="0"/>
                                 </a:rPr>
@@ -3570,7 +4131,7 @@
                     </m:oMath>
                   </m:oMathPara>
                 </a14:m>
-                <a:endParaRPr lang="es-ES" dirty="0"/>
+                <a:endParaRPr lang="es-ES" sz="1600" dirty="0"/>
               </a:p>
             </p:txBody>
           </p:sp>
@@ -3587,7 +4148,7 @@
             <p:spPr>
               <a:xfrm>
                 <a:off x="4710851" y="2061911"/>
-                <a:ext cx="2417371" cy="1037528"/>
+                <a:ext cx="2417371" cy="907749"/>
               </a:xfrm>
               <a:prstGeom prst="rect">
                 <a:avLst/>
@@ -3595,7 +4156,7 @@
               <a:blipFill>
                 <a:blip r:embed="rId5"/>
                 <a:stretch>
-                  <a:fillRect b="-588"/>
+                  <a:fillRect/>
                 </a:stretch>
               </a:blipFill>
               <a:ln w="19050">
@@ -3617,6 +4178,29 @@
           </p:sp>
         </mc:Fallback>
       </mc:AlternateContent>
+      <p:sp>
+        <p:nvSpPr>
+          <p:cNvPr id="9" name="Marcador de número de diapositiva 8"/>
+          <p:cNvSpPr>
+            <a:spLocks noGrp="1"/>
+          </p:cNvSpPr>
+          <p:nvPr>
+            <p:ph type="sldNum" sz="quarter" idx="12"/>
+          </p:nvPr>
+        </p:nvSpPr>
+        <p:spPr/>
+        <p:txBody>
+          <a:bodyPr/>
+          <a:lstStyle/>
+          <a:p>
+            <a:fld id="{B6E54122-A161-4A28-A205-323FD116BF0F}" type="slidenum">
+              <a:rPr lang="es-ES" smtClean="0"/>
+              <a:t>10</a:t>
+            </a:fld>
+            <a:endParaRPr lang="es-ES"/>
+          </a:p>
+        </p:txBody>
+      </p:sp>
     </p:spTree>
     <p:extLst>
       <p:ext uri="{BB962C8B-B14F-4D97-AF65-F5344CB8AC3E}">
@@ -3966,16 +4550,15 @@
           </p:cNvPicPr>
           <p:nvPr/>
         </p:nvPicPr>
-        <p:blipFill>
+        <p:blipFill rotWithShape="1">
           <a:blip r:embed="rId4"/>
-          <a:stretch>
-            <a:fillRect/>
-          </a:stretch>
+          <a:srcRect b="1074"/>
+          <a:stretch/>
         </p:blipFill>
         <p:spPr>
           <a:xfrm>
             <a:off x="6153694" y="3066889"/>
-            <a:ext cx="4422527" cy="3240372"/>
+            <a:ext cx="4422527" cy="3205574"/>
           </a:xfrm>
           <a:prstGeom prst="rect">
             <a:avLst/>
@@ -4009,6 +4592,29 @@
               <a:t>Problema N-Cuerpos</a:t>
             </a:r>
             <a:endParaRPr lang="es-ES" sz="2800" dirty="0" smtClean="0"/>
+          </a:p>
+        </p:txBody>
+      </p:sp>
+      <p:sp>
+        <p:nvSpPr>
+          <p:cNvPr id="5" name="Marcador de número de diapositiva 4"/>
+          <p:cNvSpPr>
+            <a:spLocks noGrp="1"/>
+          </p:cNvSpPr>
+          <p:nvPr>
+            <p:ph type="sldNum" sz="quarter" idx="12"/>
+          </p:nvPr>
+        </p:nvSpPr>
+        <p:spPr/>
+        <p:txBody>
+          <a:bodyPr/>
+          <a:lstStyle/>
+          <a:p>
+            <a:fld id="{B6E54122-A161-4A28-A205-323FD116BF0F}" type="slidenum">
+              <a:rPr lang="es-ES" smtClean="0"/>
+              <a:t>11</a:t>
+            </a:fld>
+            <a:endParaRPr lang="es-ES"/>
           </a:p>
         </p:txBody>
       </p:sp>
@@ -4073,8 +4679,8 @@
           </a:prstGeom>
         </p:spPr>
       </p:pic>
-      <mc:AlternateContent xmlns:mc="http://schemas.openxmlformats.org/markup-compatibility/2006" xmlns:a14="http://schemas.microsoft.com/office/drawing/2010/main">
-        <mc:Choice Requires="a14">
+      <mc:AlternateContent xmlns:mc="http://schemas.openxmlformats.org/markup-compatibility/2006">
+        <mc:Choice xmlns:a14="http://schemas.microsoft.com/office/drawing/2010/main" Requires="a14">
           <p:sp>
             <p:nvSpPr>
               <p:cNvPr id="3" name="Marcador de contenido 2"/>
@@ -4285,8 +4891,13 @@
                 <a:pPr algn="just"/>
                 <a:r>
                   <a:rPr lang="es-ES" dirty="0" smtClean="0"/>
-                  <a:t>Construcción a partir de una secuencia convergente otra que converja más rápido.</a:t>
+                  <a:t>Permite visualizar el error y actuar en consecuencia</a:t>
                 </a:r>
+                <a:endParaRPr lang="es-ES" dirty="0" smtClean="0">
+                  <a:solidFill>
+                    <a:srgbClr val="FF0000"/>
+                  </a:solidFill>
+                </a:endParaRPr>
               </a:p>
               <a:p>
                 <a:pPr marL="0" indent="0">
@@ -4301,7 +4912,7 @@
             </p:txBody>
           </p:sp>
         </mc:Choice>
-        <mc:Fallback xmlns="">
+        <mc:Fallback>
           <p:sp>
             <p:nvSpPr>
               <p:cNvPr id="3" name="Marcador de contenido 2"/>
@@ -4548,8 +5159,8 @@
         </p:nvSpPr>
         <p:spPr>
           <a:xfrm>
-            <a:off x="733697" y="923019"/>
-            <a:ext cx="10839994" cy="1325563"/>
+            <a:off x="733696" y="923019"/>
+            <a:ext cx="11185587" cy="1325563"/>
           </a:xfrm>
         </p:spPr>
         <p:txBody>
@@ -4558,7 +5169,19 @@
           <a:p>
             <a:r>
               <a:rPr lang="es-ES" dirty="0" smtClean="0"/>
-              <a:t>Estimación de errores	</a:t>
+              <a:t>Aplicaciones prácticas IV (Estimación </a:t>
+            </a:r>
+            <a:r>
+              <a:rPr lang="es-ES" dirty="0" smtClean="0"/>
+              <a:t>de </a:t>
+            </a:r>
+            <a:r>
+              <a:rPr lang="es-ES" dirty="0" smtClean="0"/>
+              <a:t>errores)</a:t>
+            </a:r>
+            <a:r>
+              <a:rPr lang="es-ES" dirty="0" smtClean="0"/>
+              <a:t>	</a:t>
             </a:r>
             <a:endParaRPr lang="es-ES" dirty="0"/>
           </a:p>
@@ -4594,10 +5217,432 @@
           </a:prstGeom>
         </p:spPr>
       </p:pic>
+      <p:sp>
+        <p:nvSpPr>
+          <p:cNvPr id="5" name="Marcador de número de diapositiva 4"/>
+          <p:cNvSpPr>
+            <a:spLocks noGrp="1"/>
+          </p:cNvSpPr>
+          <p:nvPr>
+            <p:ph type="sldNum" sz="quarter" idx="12"/>
+          </p:nvPr>
+        </p:nvSpPr>
+        <p:spPr/>
+        <p:txBody>
+          <a:bodyPr/>
+          <a:lstStyle/>
+          <a:p>
+            <a:fld id="{B6E54122-A161-4A28-A205-323FD116BF0F}" type="slidenum">
+              <a:rPr lang="es-ES" smtClean="0"/>
+              <a:t>12</a:t>
+            </a:fld>
+            <a:endParaRPr lang="es-ES"/>
+          </a:p>
+        </p:txBody>
+      </p:sp>
     </p:spTree>
     <p:extLst>
       <p:ext uri="{BB962C8B-B14F-4D97-AF65-F5344CB8AC3E}">
         <p14:creationId xmlns:p14="http://schemas.microsoft.com/office/powerpoint/2010/main" val="2162165876"/>
+      </p:ext>
+    </p:extLst>
+  </p:cSld>
+  <p:clrMapOvr>
+    <a:masterClrMapping/>
+  </p:clrMapOvr>
+  <p:timing>
+    <p:tnLst>
+      <p:par>
+        <p:cTn id="1" dur="indefinite" restart="never" nodeType="tmRoot"/>
+      </p:par>
+    </p:tnLst>
+  </p:timing>
+</p:sld>
+</file>
+
+<file path=ppt/slides/slide13.xml><?xml version="1.0" encoding="utf-8"?>
+<p:sld xmlns:a="http://schemas.openxmlformats.org/drawingml/2006/main" xmlns:r="http://schemas.openxmlformats.org/officeDocument/2006/relationships" xmlns:p="http://schemas.openxmlformats.org/presentationml/2006/main">
+  <p:cSld>
+    <p:spTree>
+      <p:nvGrpSpPr>
+        <p:cNvPr id="1" name=""/>
+        <p:cNvGrpSpPr/>
+        <p:nvPr/>
+      </p:nvGrpSpPr>
+      <p:grpSpPr>
+        <a:xfrm>
+          <a:off x="0" y="0"/>
+          <a:ext cx="0" cy="0"/>
+          <a:chOff x="0" y="0"/>
+          <a:chExt cx="0" cy="0"/>
+        </a:xfrm>
+      </p:grpSpPr>
+      <p:pic>
+        <p:nvPicPr>
+          <p:cNvPr id="4" name="Imagen 3"/>
+          <p:cNvPicPr>
+            <a:picLocks noChangeAspect="1"/>
+          </p:cNvPicPr>
+          <p:nvPr/>
+        </p:nvPicPr>
+        <p:blipFill>
+          <a:blip r:embed="rId2"/>
+          <a:stretch>
+            <a:fillRect/>
+          </a:stretch>
+        </p:blipFill>
+        <p:spPr>
+          <a:xfrm>
+            <a:off x="4024909" y="95249"/>
+            <a:ext cx="8066942" cy="1302475"/>
+          </a:xfrm>
+          <a:prstGeom prst="rect">
+            <a:avLst/>
+          </a:prstGeom>
+        </p:spPr>
+      </p:pic>
+      <p:sp>
+        <p:nvSpPr>
+          <p:cNvPr id="3" name="Marcador de contenido 2"/>
+          <p:cNvSpPr>
+            <a:spLocks noGrp="1"/>
+          </p:cNvSpPr>
+          <p:nvPr>
+            <p:ph idx="1"/>
+          </p:nvPr>
+        </p:nvSpPr>
+        <p:spPr>
+          <a:xfrm>
+            <a:off x="733697" y="1773876"/>
+            <a:ext cx="10367440" cy="4351338"/>
+          </a:xfrm>
+        </p:spPr>
+        <p:txBody>
+          <a:bodyPr>
+            <a:normAutofit fontScale="92500" lnSpcReduction="20000"/>
+          </a:bodyPr>
+          <a:lstStyle/>
+          <a:p>
+            <a:endParaRPr lang="es-ES" dirty="0" smtClean="0"/>
+          </a:p>
+          <a:p>
+            <a:r>
+              <a:rPr lang="es-ES" dirty="0" smtClean="0"/>
+              <a:t>Utilización de nuevas metodologías</a:t>
+            </a:r>
+            <a:endParaRPr lang="es-ES" dirty="0" smtClean="0"/>
+          </a:p>
+          <a:p>
+            <a:endParaRPr lang="es-ES" dirty="0" smtClean="0"/>
+          </a:p>
+          <a:p>
+            <a:r>
+              <a:rPr lang="es-ES" dirty="0" smtClean="0"/>
+              <a:t>Mejor estructuración de programas</a:t>
+            </a:r>
+          </a:p>
+          <a:p>
+            <a:endParaRPr lang="es-ES" dirty="0"/>
+          </a:p>
+          <a:p>
+            <a:r>
+              <a:rPr lang="es-ES" dirty="0" smtClean="0"/>
+              <a:t>Ventajas de entornos de programación (Visual Studio)</a:t>
+            </a:r>
+          </a:p>
+          <a:p>
+            <a:endParaRPr lang="es-ES" dirty="0" smtClean="0"/>
+          </a:p>
+          <a:p>
+            <a:r>
+              <a:rPr lang="es-ES" dirty="0"/>
+              <a:t> </a:t>
+            </a:r>
+            <a:r>
+              <a:rPr lang="es-ES" dirty="0" smtClean="0"/>
+              <a:t>Posibles mejoras:</a:t>
+            </a:r>
+          </a:p>
+          <a:p>
+            <a:pPr lvl="1"/>
+            <a:r>
+              <a:rPr lang="es-ES" dirty="0" smtClean="0"/>
+              <a:t>Incrementar el número de integradores </a:t>
+            </a:r>
+          </a:p>
+          <a:p>
+            <a:pPr lvl="1"/>
+            <a:r>
+              <a:rPr lang="es-ES" dirty="0" smtClean="0"/>
+              <a:t>Incluir nuevos problemas en el archivo de funciones</a:t>
+            </a:r>
+          </a:p>
+          <a:p>
+            <a:pPr lvl="1"/>
+            <a:r>
+              <a:rPr lang="es-ES" dirty="0" smtClean="0"/>
+              <a:t>Tener en cuenta recomendaciones de escritura de programas</a:t>
+            </a:r>
+            <a:endParaRPr lang="es-ES" dirty="0"/>
+          </a:p>
+        </p:txBody>
+      </p:sp>
+      <p:sp>
+        <p:nvSpPr>
+          <p:cNvPr id="26" name="Marcador de contenido 2"/>
+          <p:cNvSpPr txBox="1">
+            <a:spLocks/>
+          </p:cNvSpPr>
+          <p:nvPr/>
+        </p:nvSpPr>
+        <p:spPr>
+          <a:xfrm>
+            <a:off x="733697" y="1773876"/>
+            <a:ext cx="10657114" cy="4351338"/>
+          </a:xfrm>
+          <a:prstGeom prst="rect">
+            <a:avLst/>
+          </a:prstGeom>
+        </p:spPr>
+        <p:txBody>
+          <a:bodyPr vert="horz" lIns="91440" tIns="45720" rIns="91440" bIns="45720" rtlCol="0">
+            <a:normAutofit/>
+          </a:bodyPr>
+          <a:lstStyle>
+            <a:lvl1pPr marL="228600" indent="-228600" algn="l" defTabSz="914400" rtl="0" eaLnBrk="1" latinLnBrk="0" hangingPunct="1">
+              <a:lnSpc>
+                <a:spcPct val="90000"/>
+              </a:lnSpc>
+              <a:spcBef>
+                <a:spcPts val="1000"/>
+              </a:spcBef>
+              <a:buFont typeface="Arial" panose="020B0604020202020204" pitchFamily="34" charset="0"/>
+              <a:buChar char="•"/>
+              <a:defRPr sz="2800" kern="1200">
+                <a:solidFill>
+                  <a:schemeClr val="tx1"/>
+                </a:solidFill>
+                <a:latin typeface="+mn-lt"/>
+                <a:ea typeface="+mn-ea"/>
+                <a:cs typeface="+mn-cs"/>
+              </a:defRPr>
+            </a:lvl1pPr>
+            <a:lvl2pPr marL="685800" indent="-228600" algn="l" defTabSz="914400" rtl="0" eaLnBrk="1" latinLnBrk="0" hangingPunct="1">
+              <a:lnSpc>
+                <a:spcPct val="90000"/>
+              </a:lnSpc>
+              <a:spcBef>
+                <a:spcPts val="500"/>
+              </a:spcBef>
+              <a:buFont typeface="Arial" panose="020B0604020202020204" pitchFamily="34" charset="0"/>
+              <a:buChar char="•"/>
+              <a:defRPr sz="2400" kern="1200">
+                <a:solidFill>
+                  <a:schemeClr val="tx1"/>
+                </a:solidFill>
+                <a:latin typeface="+mn-lt"/>
+                <a:ea typeface="+mn-ea"/>
+                <a:cs typeface="+mn-cs"/>
+              </a:defRPr>
+            </a:lvl2pPr>
+            <a:lvl3pPr marL="1143000" indent="-228600" algn="l" defTabSz="914400" rtl="0" eaLnBrk="1" latinLnBrk="0" hangingPunct="1">
+              <a:lnSpc>
+                <a:spcPct val="90000"/>
+              </a:lnSpc>
+              <a:spcBef>
+                <a:spcPts val="500"/>
+              </a:spcBef>
+              <a:buFont typeface="Arial" panose="020B0604020202020204" pitchFamily="34" charset="0"/>
+              <a:buChar char="•"/>
+              <a:defRPr sz="2000" kern="1200">
+                <a:solidFill>
+                  <a:schemeClr val="tx1"/>
+                </a:solidFill>
+                <a:latin typeface="+mn-lt"/>
+                <a:ea typeface="+mn-ea"/>
+                <a:cs typeface="+mn-cs"/>
+              </a:defRPr>
+            </a:lvl3pPr>
+            <a:lvl4pPr marL="1600200" indent="-228600" algn="l" defTabSz="914400" rtl="0" eaLnBrk="1" latinLnBrk="0" hangingPunct="1">
+              <a:lnSpc>
+                <a:spcPct val="90000"/>
+              </a:lnSpc>
+              <a:spcBef>
+                <a:spcPts val="500"/>
+              </a:spcBef>
+              <a:buFont typeface="Arial" panose="020B0604020202020204" pitchFamily="34" charset="0"/>
+              <a:buChar char="•"/>
+              <a:defRPr sz="1800" kern="1200">
+                <a:solidFill>
+                  <a:schemeClr val="tx1"/>
+                </a:solidFill>
+                <a:latin typeface="+mn-lt"/>
+                <a:ea typeface="+mn-ea"/>
+                <a:cs typeface="+mn-cs"/>
+              </a:defRPr>
+            </a:lvl4pPr>
+            <a:lvl5pPr marL="2057400" indent="-228600" algn="l" defTabSz="914400" rtl="0" eaLnBrk="1" latinLnBrk="0" hangingPunct="1">
+              <a:lnSpc>
+                <a:spcPct val="90000"/>
+              </a:lnSpc>
+              <a:spcBef>
+                <a:spcPts val="500"/>
+              </a:spcBef>
+              <a:buFont typeface="Arial" panose="020B0604020202020204" pitchFamily="34" charset="0"/>
+              <a:buChar char="•"/>
+              <a:defRPr sz="1800" kern="1200">
+                <a:solidFill>
+                  <a:schemeClr val="tx1"/>
+                </a:solidFill>
+                <a:latin typeface="+mn-lt"/>
+                <a:ea typeface="+mn-ea"/>
+                <a:cs typeface="+mn-cs"/>
+              </a:defRPr>
+            </a:lvl5pPr>
+            <a:lvl6pPr marL="2514600" indent="-228600" algn="l" defTabSz="914400" rtl="0" eaLnBrk="1" latinLnBrk="0" hangingPunct="1">
+              <a:lnSpc>
+                <a:spcPct val="90000"/>
+              </a:lnSpc>
+              <a:spcBef>
+                <a:spcPts val="500"/>
+              </a:spcBef>
+              <a:buFont typeface="Arial" panose="020B0604020202020204" pitchFamily="34" charset="0"/>
+              <a:buChar char="•"/>
+              <a:defRPr sz="1800" kern="1200">
+                <a:solidFill>
+                  <a:schemeClr val="tx1"/>
+                </a:solidFill>
+                <a:latin typeface="+mn-lt"/>
+                <a:ea typeface="+mn-ea"/>
+                <a:cs typeface="+mn-cs"/>
+              </a:defRPr>
+            </a:lvl6pPr>
+            <a:lvl7pPr marL="2971800" indent="-228600" algn="l" defTabSz="914400" rtl="0" eaLnBrk="1" latinLnBrk="0" hangingPunct="1">
+              <a:lnSpc>
+                <a:spcPct val="90000"/>
+              </a:lnSpc>
+              <a:spcBef>
+                <a:spcPts val="500"/>
+              </a:spcBef>
+              <a:buFont typeface="Arial" panose="020B0604020202020204" pitchFamily="34" charset="0"/>
+              <a:buChar char="•"/>
+              <a:defRPr sz="1800" kern="1200">
+                <a:solidFill>
+                  <a:schemeClr val="tx1"/>
+                </a:solidFill>
+                <a:latin typeface="+mn-lt"/>
+                <a:ea typeface="+mn-ea"/>
+                <a:cs typeface="+mn-cs"/>
+              </a:defRPr>
+            </a:lvl7pPr>
+            <a:lvl8pPr marL="3429000" indent="-228600" algn="l" defTabSz="914400" rtl="0" eaLnBrk="1" latinLnBrk="0" hangingPunct="1">
+              <a:lnSpc>
+                <a:spcPct val="90000"/>
+              </a:lnSpc>
+              <a:spcBef>
+                <a:spcPts val="500"/>
+              </a:spcBef>
+              <a:buFont typeface="Arial" panose="020B0604020202020204" pitchFamily="34" charset="0"/>
+              <a:buChar char="•"/>
+              <a:defRPr sz="1800" kern="1200">
+                <a:solidFill>
+                  <a:schemeClr val="tx1"/>
+                </a:solidFill>
+                <a:latin typeface="+mn-lt"/>
+                <a:ea typeface="+mn-ea"/>
+                <a:cs typeface="+mn-cs"/>
+              </a:defRPr>
+            </a:lvl8pPr>
+            <a:lvl9pPr marL="3886200" indent="-228600" algn="l" defTabSz="914400" rtl="0" eaLnBrk="1" latinLnBrk="0" hangingPunct="1">
+              <a:lnSpc>
+                <a:spcPct val="90000"/>
+              </a:lnSpc>
+              <a:spcBef>
+                <a:spcPts val="500"/>
+              </a:spcBef>
+              <a:buFont typeface="Arial" panose="020B0604020202020204" pitchFamily="34" charset="0"/>
+              <a:buChar char="•"/>
+              <a:defRPr sz="1800" kern="1200">
+                <a:solidFill>
+                  <a:schemeClr val="tx1"/>
+                </a:solidFill>
+                <a:latin typeface="+mn-lt"/>
+                <a:ea typeface="+mn-ea"/>
+                <a:cs typeface="+mn-cs"/>
+              </a:defRPr>
+            </a:lvl9pPr>
+          </a:lstStyle>
+          <a:p>
+            <a:pPr marL="0" indent="0">
+              <a:buFont typeface="Arial" panose="020B0604020202020204" pitchFamily="34" charset="0"/>
+              <a:buNone/>
+            </a:pPr>
+            <a:endParaRPr lang="es-ES" dirty="0" smtClean="0"/>
+          </a:p>
+          <a:p>
+            <a:endParaRPr lang="es-ES" dirty="0"/>
+          </a:p>
+        </p:txBody>
+      </p:sp>
+      <p:sp>
+        <p:nvSpPr>
+          <p:cNvPr id="2" name="Título 1"/>
+          <p:cNvSpPr>
+            <a:spLocks noGrp="1"/>
+          </p:cNvSpPr>
+          <p:nvPr>
+            <p:ph type="title"/>
+          </p:nvPr>
+        </p:nvSpPr>
+        <p:spPr>
+          <a:xfrm>
+            <a:off x="733697" y="923019"/>
+            <a:ext cx="10839994" cy="1325563"/>
+          </a:xfrm>
+        </p:spPr>
+        <p:txBody>
+          <a:bodyPr/>
+          <a:lstStyle/>
+          <a:p>
+            <a:r>
+              <a:rPr lang="es-ES" dirty="0" smtClean="0"/>
+              <a:t>Conclusiones</a:t>
+            </a:r>
+            <a:r>
+              <a:rPr lang="es-ES" dirty="0" smtClean="0"/>
+              <a:t>	</a:t>
+            </a:r>
+            <a:endParaRPr lang="es-ES" dirty="0"/>
+          </a:p>
+        </p:txBody>
+      </p:sp>
+      <p:sp>
+        <p:nvSpPr>
+          <p:cNvPr id="5" name="Marcador de número de diapositiva 4"/>
+          <p:cNvSpPr>
+            <a:spLocks noGrp="1"/>
+          </p:cNvSpPr>
+          <p:nvPr>
+            <p:ph type="sldNum" sz="quarter" idx="12"/>
+          </p:nvPr>
+        </p:nvSpPr>
+        <p:spPr/>
+        <p:txBody>
+          <a:bodyPr/>
+          <a:lstStyle/>
+          <a:p>
+            <a:fld id="{B6E54122-A161-4A28-A205-323FD116BF0F}" type="slidenum">
+              <a:rPr lang="es-ES" smtClean="0"/>
+              <a:t>13</a:t>
+            </a:fld>
+            <a:endParaRPr lang="es-ES"/>
+          </a:p>
+        </p:txBody>
+      </p:sp>
+    </p:spTree>
+    <p:extLst>
+      <p:ext uri="{BB962C8B-B14F-4D97-AF65-F5344CB8AC3E}">
+        <p14:creationId xmlns:p14="http://schemas.microsoft.com/office/powerpoint/2010/main" val="293519883"/>
       </p:ext>
     </p:extLst>
   </p:cSld>
@@ -4633,29 +5678,6 @@
       </p:grpSpPr>
       <p:sp>
         <p:nvSpPr>
-          <p:cNvPr id="2" name="Título 1"/>
-          <p:cNvSpPr>
-            <a:spLocks noGrp="1"/>
-          </p:cNvSpPr>
-          <p:nvPr>
-            <p:ph type="title"/>
-          </p:nvPr>
-        </p:nvSpPr>
-        <p:spPr/>
-        <p:txBody>
-          <a:bodyPr/>
-          <a:lstStyle/>
-          <a:p>
-            <a:r>
-              <a:rPr lang="es-ES" dirty="0" smtClean="0"/>
-              <a:t>Índice	</a:t>
-            </a:r>
-            <a:endParaRPr lang="es-ES" dirty="0"/>
-          </a:p>
-        </p:txBody>
-      </p:sp>
-      <p:sp>
-        <p:nvSpPr>
           <p:cNvPr id="3" name="Marcador de contenido 2"/>
           <p:cNvSpPr>
             <a:spLocks noGrp="1"/>
@@ -4666,80 +5688,58 @@
         </p:nvSpPr>
         <p:spPr/>
         <p:txBody>
-          <a:bodyPr/>
-          <a:lstStyle/>
-          <a:p>
-            <a:r>
-              <a:rPr lang="es-ES" dirty="0" smtClean="0"/>
+          <a:bodyPr>
+            <a:noAutofit/>
+          </a:bodyPr>
+          <a:lstStyle/>
+          <a:p>
+            <a:endParaRPr lang="es-ES" sz="2000" dirty="0" smtClean="0"/>
+          </a:p>
+          <a:p>
+            <a:r>
+              <a:rPr lang="es-ES" sz="2000" dirty="0" smtClean="0"/>
               <a:t>Introducción</a:t>
             </a:r>
           </a:p>
           <a:p>
-            <a:r>
-              <a:rPr lang="es-ES" dirty="0" smtClean="0"/>
+            <a:pPr marL="0" indent="0">
+              <a:buNone/>
+            </a:pPr>
+            <a:endParaRPr lang="es-ES" sz="2000" dirty="0" smtClean="0"/>
+          </a:p>
+          <a:p>
+            <a:r>
+              <a:rPr lang="es-ES" sz="2000" dirty="0" smtClean="0"/>
               <a:t>Conceptos teóricos</a:t>
             </a:r>
           </a:p>
           <a:p>
-            <a:pPr lvl="1"/>
-            <a:r>
-              <a:rPr lang="es-ES" dirty="0" smtClean="0"/>
-              <a:t>Integradores</a:t>
-            </a:r>
-          </a:p>
-          <a:p>
-            <a:pPr lvl="1"/>
-            <a:r>
-              <a:rPr lang="es-ES" dirty="0" smtClean="0"/>
-              <a:t>Estabilidad</a:t>
-            </a:r>
-          </a:p>
-          <a:p>
-            <a:pPr lvl="1"/>
-            <a:r>
-              <a:rPr lang="es-ES" dirty="0" smtClean="0"/>
-              <a:t>Técnicas de programación</a:t>
-            </a:r>
-          </a:p>
-          <a:p>
-            <a:r>
-              <a:rPr lang="es-ES" dirty="0" smtClean="0"/>
+            <a:endParaRPr lang="es-ES" sz="2000" dirty="0" smtClean="0"/>
+          </a:p>
+          <a:p>
+            <a:r>
+              <a:rPr lang="es-ES" sz="2000" dirty="0" smtClean="0"/>
+              <a:t>Estructura y metodología</a:t>
+            </a:r>
+          </a:p>
+          <a:p>
+            <a:endParaRPr lang="es-ES" sz="2000" dirty="0" smtClean="0"/>
+          </a:p>
+          <a:p>
+            <a:r>
+              <a:rPr lang="es-ES" sz="2000" dirty="0" smtClean="0"/>
               <a:t>Aplicaciones prácticas</a:t>
             </a:r>
           </a:p>
           <a:p>
-            <a:pPr lvl="1"/>
-            <a:r>
-              <a:rPr lang="es-ES" dirty="0" smtClean="0"/>
-              <a:t>Oscilador armónico</a:t>
-            </a:r>
-          </a:p>
-          <a:p>
-            <a:pPr lvl="1"/>
-            <a:r>
-              <a:rPr lang="es-ES" dirty="0" smtClean="0"/>
-              <a:t>Órbita </a:t>
-            </a:r>
-            <a:r>
-              <a:rPr lang="es-ES" dirty="0" err="1" smtClean="0"/>
-              <a:t>kepleriana</a:t>
-            </a:r>
-            <a:endParaRPr lang="es-ES" dirty="0" smtClean="0"/>
-          </a:p>
-          <a:p>
-            <a:pPr lvl="1"/>
-            <a:r>
-              <a:rPr lang="es-ES" dirty="0" smtClean="0"/>
-              <a:t>Análisis del error</a:t>
-            </a:r>
-          </a:p>
-          <a:p>
-            <a:pPr lvl="1"/>
-            <a:r>
-              <a:rPr lang="es-ES" dirty="0" smtClean="0"/>
-              <a:t>Problema de los N-Cuerpos</a:t>
-            </a:r>
-            <a:endParaRPr lang="es-ES" dirty="0"/>
+            <a:endParaRPr lang="es-ES" sz="2000" dirty="0"/>
+          </a:p>
+          <a:p>
+            <a:r>
+              <a:rPr lang="es-ES" sz="2000" dirty="0" smtClean="0"/>
+              <a:t>Conclusiones</a:t>
+            </a:r>
+            <a:endParaRPr lang="es-ES" sz="2000" dirty="0"/>
           </a:p>
         </p:txBody>
       </p:sp>
@@ -4752,7 +5752,7 @@
           <p:nvPr/>
         </p:nvPicPr>
         <p:blipFill>
-          <a:blip r:embed="rId2"/>
+          <a:blip r:embed="rId3"/>
           <a:stretch>
             <a:fillRect/>
           </a:stretch>
@@ -4767,6 +5767,61 @@
           </a:prstGeom>
         </p:spPr>
       </p:pic>
+      <p:sp>
+        <p:nvSpPr>
+          <p:cNvPr id="5" name="Marcador de número de diapositiva 4"/>
+          <p:cNvSpPr>
+            <a:spLocks noGrp="1"/>
+          </p:cNvSpPr>
+          <p:nvPr>
+            <p:ph type="sldNum" sz="quarter" idx="12"/>
+          </p:nvPr>
+        </p:nvSpPr>
+        <p:spPr/>
+        <p:txBody>
+          <a:bodyPr/>
+          <a:lstStyle/>
+          <a:p>
+            <a:fld id="{B6E54122-A161-4A28-A205-323FD116BF0F}" type="slidenum">
+              <a:rPr lang="es-ES" smtClean="0"/>
+              <a:t>2</a:t>
+            </a:fld>
+            <a:endParaRPr lang="es-ES"/>
+          </a:p>
+        </p:txBody>
+      </p:sp>
+      <p:sp>
+        <p:nvSpPr>
+          <p:cNvPr id="7" name="Título 1"/>
+          <p:cNvSpPr>
+            <a:spLocks noGrp="1"/>
+          </p:cNvSpPr>
+          <p:nvPr>
+            <p:ph type="title"/>
+          </p:nvPr>
+        </p:nvSpPr>
+        <p:spPr>
+          <a:xfrm>
+            <a:off x="733697" y="923019"/>
+            <a:ext cx="10839994" cy="1325563"/>
+          </a:xfrm>
+        </p:spPr>
+        <p:txBody>
+          <a:bodyPr/>
+          <a:lstStyle/>
+          <a:p>
+            <a:r>
+              <a:rPr lang="es-ES" dirty="0" smtClean="0"/>
+              <a:t>Índice</a:t>
+            </a:r>
+            <a:r>
+              <a:rPr lang="es-ES" dirty="0" smtClean="0"/>
+              <a:t>	</a:t>
+            </a:r>
+            <a:endParaRPr lang="es-ES" dirty="0"/>
+          </a:p>
+        </p:txBody>
+      </p:sp>
     </p:spTree>
     <p:extLst>
       <p:ext uri="{BB962C8B-B14F-4D97-AF65-F5344CB8AC3E}">
@@ -4830,34 +5885,6 @@
       </p:pic>
       <p:sp>
         <p:nvSpPr>
-          <p:cNvPr id="2" name="Título 1"/>
-          <p:cNvSpPr>
-            <a:spLocks noGrp="1"/>
-          </p:cNvSpPr>
-          <p:nvPr>
-            <p:ph type="title"/>
-          </p:nvPr>
-        </p:nvSpPr>
-        <p:spPr>
-          <a:xfrm>
-            <a:off x="813623" y="775387"/>
-            <a:ext cx="10515600" cy="1325563"/>
-          </a:xfrm>
-        </p:spPr>
-        <p:txBody>
-          <a:bodyPr/>
-          <a:lstStyle/>
-          <a:p>
-            <a:r>
-              <a:rPr lang="es-ES" dirty="0" smtClean="0"/>
-              <a:t>Introducción	</a:t>
-            </a:r>
-            <a:endParaRPr lang="es-ES" dirty="0"/>
-          </a:p>
-        </p:txBody>
-      </p:sp>
-      <p:sp>
-        <p:nvSpPr>
           <p:cNvPr id="3" name="Marcador de contenido 2"/>
           <p:cNvSpPr>
             <a:spLocks noGrp="1"/>
@@ -5611,6 +6638,78 @@
           </a:fontRef>
         </p:style>
       </p:cxnSp>
+      <p:sp>
+        <p:nvSpPr>
+          <p:cNvPr id="19" name="Marcador de número de diapositiva 18"/>
+          <p:cNvSpPr>
+            <a:spLocks noGrp="1"/>
+          </p:cNvSpPr>
+          <p:nvPr>
+            <p:ph type="sldNum" sz="quarter" idx="12"/>
+          </p:nvPr>
+        </p:nvSpPr>
+        <p:spPr/>
+        <p:txBody>
+          <a:bodyPr/>
+          <a:lstStyle/>
+          <a:p>
+            <a:fld id="{B6E54122-A161-4A28-A205-323FD116BF0F}" type="slidenum">
+              <a:rPr lang="es-ES" smtClean="0"/>
+              <a:t>3</a:t>
+            </a:fld>
+            <a:endParaRPr lang="es-ES"/>
+          </a:p>
+        </p:txBody>
+      </p:sp>
+      <p:sp>
+        <p:nvSpPr>
+          <p:cNvPr id="26" name="Título 1"/>
+          <p:cNvSpPr txBox="1">
+            <a:spLocks/>
+          </p:cNvSpPr>
+          <p:nvPr/>
+        </p:nvSpPr>
+        <p:spPr>
+          <a:xfrm>
+            <a:off x="733697" y="923019"/>
+            <a:ext cx="10839994" cy="1325563"/>
+          </a:xfrm>
+          <a:prstGeom prst="rect">
+            <a:avLst/>
+          </a:prstGeom>
+        </p:spPr>
+        <p:txBody>
+          <a:bodyPr vert="horz" lIns="91440" tIns="45720" rIns="91440" bIns="45720" rtlCol="0" anchor="ctr">
+            <a:normAutofit/>
+          </a:bodyPr>
+          <a:lstStyle>
+            <a:lvl1pPr algn="l" defTabSz="914400" rtl="0" eaLnBrk="1" latinLnBrk="0" hangingPunct="1">
+              <a:lnSpc>
+                <a:spcPct val="90000"/>
+              </a:lnSpc>
+              <a:spcBef>
+                <a:spcPct val="0"/>
+              </a:spcBef>
+              <a:buNone/>
+              <a:defRPr sz="4400" kern="1200">
+                <a:solidFill>
+                  <a:schemeClr val="tx1"/>
+                </a:solidFill>
+                <a:latin typeface="+mj-lt"/>
+                <a:ea typeface="+mj-ea"/>
+                <a:cs typeface="+mj-cs"/>
+              </a:defRPr>
+            </a:lvl1pPr>
+          </a:lstStyle>
+          <a:p>
+            <a:r>
+              <a:rPr lang="es-ES" dirty="0" smtClean="0"/>
+              <a:t>Introducción	</a:t>
+            </a:r>
+            <a:endParaRPr lang="es-ES" dirty="0"/>
+          </a:p>
+        </p:txBody>
+      </p:sp>
     </p:spTree>
     <p:extLst>
       <p:ext uri="{BB962C8B-B14F-4D97-AF65-F5344CB8AC3E}">
@@ -5694,7 +6793,15 @@
           <a:p>
             <a:r>
               <a:rPr lang="es-ES" dirty="0" smtClean="0"/>
-              <a:t>Conceptos teóricos	</a:t>
+              <a:t>Conceptos </a:t>
+            </a:r>
+            <a:r>
+              <a:rPr lang="es-ES" dirty="0" smtClean="0"/>
+              <a:t>teóricos I</a:t>
+            </a:r>
+            <a:r>
+              <a:rPr lang="es-ES" dirty="0" smtClean="0"/>
+              <a:t>	</a:t>
             </a:r>
             <a:endParaRPr lang="es-ES" dirty="0"/>
           </a:p>
@@ -5922,7 +7029,7 @@
           <a:p>
             <a:r>
               <a:rPr lang="es-ES" dirty="0" smtClean="0"/>
-              <a:t>Métodos de programación</a:t>
+              <a:t>Técnicas de programación</a:t>
             </a:r>
           </a:p>
           <a:p>
@@ -5959,12 +7066,34 @@
               <a:rPr lang="es-ES" dirty="0" smtClean="0"/>
               <a:t>)</a:t>
             </a:r>
+          </a:p>
+          <a:p>
+            <a:pPr lvl="1"/>
             <a:endParaRPr lang="es-ES" dirty="0" smtClean="0"/>
           </a:p>
           <a:p>
+            <a:endParaRPr lang="es-ES" dirty="0" smtClean="0"/>
+          </a:p>
+          <a:p>
+            <a:endParaRPr lang="es-ES" dirty="0"/>
+          </a:p>
+          <a:p>
+            <a:endParaRPr lang="es-ES" dirty="0" smtClean="0"/>
+          </a:p>
+          <a:p>
+            <a:endParaRPr lang="es-ES" dirty="0"/>
+          </a:p>
+          <a:p>
+            <a:endParaRPr lang="es-ES" dirty="0" smtClean="0"/>
+          </a:p>
+          <a:p>
             <a:r>
               <a:rPr lang="es-ES" dirty="0" smtClean="0"/>
-              <a:t>Punteros</a:t>
+              <a:t>Concepto de p</a:t>
+            </a:r>
+            <a:r>
+              <a:rPr lang="es-ES" dirty="0" smtClean="0"/>
+              <a:t>unteros</a:t>
             </a:r>
           </a:p>
           <a:p>
@@ -5988,80 +7117,424 @@
             </a:pPr>
             <a:endParaRPr lang="es-ES" dirty="0"/>
           </a:p>
-          <a:p>
-            <a:pPr marL="0" indent="0">
-              <a:buNone/>
-            </a:pPr>
-            <a:endParaRPr lang="es-ES" dirty="0" smtClean="0"/>
-          </a:p>
-          <a:p>
-            <a:r>
-              <a:rPr lang="es-ES" dirty="0" smtClean="0"/>
-              <a:t>Paradigmas de programación</a:t>
-            </a:r>
-          </a:p>
-          <a:p>
-            <a:pPr marL="0" indent="0">
-              <a:buNone/>
-            </a:pPr>
-            <a:endParaRPr lang="es-ES" dirty="0" smtClean="0"/>
-          </a:p>
-          <a:p>
-            <a:r>
-              <a:rPr lang="es-ES" dirty="0" smtClean="0"/>
-              <a:t>Estimación errores</a:t>
-            </a:r>
-            <a:endParaRPr lang="es-ES" dirty="0"/>
-          </a:p>
-          <a:p>
-            <a:pPr marL="0" indent="0">
-              <a:buNone/>
-            </a:pPr>
-            <a:endParaRPr lang="es-ES" dirty="0" smtClean="0"/>
-          </a:p>
         </p:txBody>
       </p:sp>
       <p:pic>
         <p:nvPicPr>
-          <p:cNvPr id="2050" name="Picture 2" descr="Imagen relacionada"/>
+          <p:cNvPr id="5" name="Imagen 4"/>
           <p:cNvPicPr>
-            <a:picLocks noChangeAspect="1" noChangeArrowheads="1"/>
+            <a:picLocks noChangeAspect="1"/>
           </p:cNvPicPr>
           <p:nvPr/>
         </p:nvPicPr>
         <p:blipFill>
-          <a:blip r:embed="rId3">
-            <a:extLst>
-              <a:ext uri="{28A0092B-C50C-407E-A947-70E740481C1C}">
-                <a14:useLocalDpi xmlns:a14="http://schemas.microsoft.com/office/drawing/2010/main" val="0"/>
-              </a:ext>
-            </a:extLst>
-          </a:blip>
-          <a:srcRect/>
+          <a:blip r:embed="rId3"/>
           <a:stretch>
             <a:fillRect/>
           </a:stretch>
         </p:blipFill>
-        <p:spPr bwMode="auto">
-          <a:xfrm>
-            <a:off x="2119724" y="4170947"/>
-            <a:ext cx="3273702" cy="2154265"/>
+        <p:spPr>
+          <a:xfrm>
+            <a:off x="6384947" y="2938927"/>
+            <a:ext cx="3346866" cy="1689220"/>
+          </a:xfrm>
+          <a:prstGeom prst="rect">
+            <a:avLst/>
+          </a:prstGeom>
+        </p:spPr>
+      </p:pic>
+      <p:sp>
+        <p:nvSpPr>
+          <p:cNvPr id="6" name="Marcador de número de diapositiva 5"/>
+          <p:cNvSpPr>
+            <a:spLocks noGrp="1"/>
+          </p:cNvSpPr>
+          <p:nvPr>
+            <p:ph type="sldNum" sz="quarter" idx="12"/>
+          </p:nvPr>
+        </p:nvSpPr>
+        <p:spPr/>
+        <p:txBody>
+          <a:bodyPr/>
+          <a:lstStyle/>
+          <a:p>
+            <a:fld id="{B6E54122-A161-4A28-A205-323FD116BF0F}" type="slidenum">
+              <a:rPr lang="es-ES" smtClean="0"/>
+              <a:t>4</a:t>
+            </a:fld>
+            <a:endParaRPr lang="es-ES"/>
+          </a:p>
+        </p:txBody>
+      </p:sp>
+      <p:sp>
+        <p:nvSpPr>
+          <p:cNvPr id="7" name="Elipse 6"/>
+          <p:cNvSpPr/>
+          <p:nvPr/>
+        </p:nvSpPr>
+        <p:spPr>
+          <a:xfrm>
+            <a:off x="858519" y="4239778"/>
+            <a:ext cx="1604211" cy="970548"/>
+          </a:xfrm>
+          <a:prstGeom prst="ellipse">
+            <a:avLst/>
+          </a:prstGeom>
+          <a:noFill/>
+          <a:ln w="38100">
+            <a:solidFill>
+              <a:srgbClr val="002060"/>
+            </a:solidFill>
+          </a:ln>
+        </p:spPr>
+        <p:style>
+          <a:lnRef idx="2">
+            <a:schemeClr val="accent1">
+              <a:shade val="50000"/>
+            </a:schemeClr>
+          </a:lnRef>
+          <a:fillRef idx="1">
+            <a:schemeClr val="accent1"/>
+          </a:fillRef>
+          <a:effectRef idx="0">
+            <a:schemeClr val="accent1"/>
+          </a:effectRef>
+          <a:fontRef idx="minor">
+            <a:schemeClr val="lt1"/>
+          </a:fontRef>
+        </p:style>
+        <p:txBody>
+          <a:bodyPr rtlCol="0" anchor="ctr"/>
+          <a:lstStyle/>
+          <a:p>
+            <a:pPr algn="ctr"/>
+            <a:endParaRPr lang="es-ES"/>
+          </a:p>
+        </p:txBody>
+      </p:sp>
+      <p:sp>
+        <p:nvSpPr>
+          <p:cNvPr id="8" name="CuadroTexto 7"/>
+          <p:cNvSpPr txBox="1"/>
+          <p:nvPr/>
+        </p:nvSpPr>
+        <p:spPr>
+          <a:xfrm>
+            <a:off x="938729" y="4494219"/>
+            <a:ext cx="1556085" cy="461665"/>
           </a:xfrm>
           <a:prstGeom prst="rect">
             <a:avLst/>
           </a:prstGeom>
           <a:noFill/>
-          <a:extLst>
-            <a:ext uri="{909E8E84-426E-40DD-AFC4-6F175D3DCCD1}">
-              <a14:hiddenFill xmlns:a14="http://schemas.microsoft.com/office/drawing/2010/main">
-                <a:solidFill>
-                  <a:srgbClr val="FFFFFF"/>
-                </a:solidFill>
-              </a14:hiddenFill>
-            </a:ext>
-          </a:extLst>
-        </p:spPr>
-      </p:pic>
+        </p:spPr>
+        <p:txBody>
+          <a:bodyPr wrap="square" rtlCol="0">
+            <a:spAutoFit/>
+          </a:bodyPr>
+          <a:lstStyle/>
+          <a:p>
+            <a:r>
+              <a:rPr lang="es-ES" sz="2400" b="1" dirty="0" smtClean="0"/>
+              <a:t>Desarrollo</a:t>
+            </a:r>
+            <a:endParaRPr lang="es-ES" sz="2400" b="1" dirty="0"/>
+          </a:p>
+        </p:txBody>
+      </p:sp>
+      <p:sp>
+        <p:nvSpPr>
+          <p:cNvPr id="11" name="Elipse 10"/>
+          <p:cNvSpPr/>
+          <p:nvPr/>
+        </p:nvSpPr>
+        <p:spPr>
+          <a:xfrm>
+            <a:off x="3565586" y="3985337"/>
+            <a:ext cx="1604211" cy="970548"/>
+          </a:xfrm>
+          <a:prstGeom prst="ellipse">
+            <a:avLst/>
+          </a:prstGeom>
+          <a:noFill/>
+          <a:ln w="38100">
+            <a:solidFill>
+              <a:srgbClr val="002060"/>
+            </a:solidFill>
+          </a:ln>
+        </p:spPr>
+        <p:style>
+          <a:lnRef idx="2">
+            <a:schemeClr val="accent1">
+              <a:shade val="50000"/>
+            </a:schemeClr>
+          </a:lnRef>
+          <a:fillRef idx="1">
+            <a:schemeClr val="accent1"/>
+          </a:fillRef>
+          <a:effectRef idx="0">
+            <a:schemeClr val="accent1"/>
+          </a:effectRef>
+          <a:fontRef idx="minor">
+            <a:schemeClr val="lt1"/>
+          </a:fontRef>
+        </p:style>
+        <p:txBody>
+          <a:bodyPr rtlCol="0" anchor="ctr"/>
+          <a:lstStyle/>
+          <a:p>
+            <a:pPr algn="ctr"/>
+            <a:endParaRPr lang="es-ES"/>
+          </a:p>
+        </p:txBody>
+      </p:sp>
+      <p:sp>
+        <p:nvSpPr>
+          <p:cNvPr id="12" name="CuadroTexto 11"/>
+          <p:cNvSpPr txBox="1"/>
+          <p:nvPr/>
+        </p:nvSpPr>
+        <p:spPr>
+          <a:xfrm>
+            <a:off x="3724541" y="4239778"/>
+            <a:ext cx="1556085" cy="461665"/>
+          </a:xfrm>
+          <a:prstGeom prst="rect">
+            <a:avLst/>
+          </a:prstGeom>
+          <a:noFill/>
+        </p:spPr>
+        <p:txBody>
+          <a:bodyPr wrap="square" rtlCol="0">
+            <a:spAutoFit/>
+          </a:bodyPr>
+          <a:lstStyle/>
+          <a:p>
+            <a:r>
+              <a:rPr lang="es-ES" sz="2400" b="1" dirty="0" smtClean="0"/>
+              <a:t>Revisión</a:t>
+            </a:r>
+            <a:endParaRPr lang="es-ES" sz="2400" b="1" dirty="0"/>
+          </a:p>
+        </p:txBody>
+      </p:sp>
+      <p:sp>
+        <p:nvSpPr>
+          <p:cNvPr id="13" name="Elipse 12"/>
+          <p:cNvSpPr/>
+          <p:nvPr/>
+        </p:nvSpPr>
+        <p:spPr>
+          <a:xfrm>
+            <a:off x="2630905" y="5612617"/>
+            <a:ext cx="1604211" cy="970548"/>
+          </a:xfrm>
+          <a:prstGeom prst="ellipse">
+            <a:avLst/>
+          </a:prstGeom>
+          <a:noFill/>
+          <a:ln w="38100">
+            <a:solidFill>
+              <a:srgbClr val="002060"/>
+            </a:solidFill>
+          </a:ln>
+        </p:spPr>
+        <p:style>
+          <a:lnRef idx="2">
+            <a:schemeClr val="accent1">
+              <a:shade val="50000"/>
+            </a:schemeClr>
+          </a:lnRef>
+          <a:fillRef idx="1">
+            <a:schemeClr val="accent1"/>
+          </a:fillRef>
+          <a:effectRef idx="0">
+            <a:schemeClr val="accent1"/>
+          </a:effectRef>
+          <a:fontRef idx="minor">
+            <a:schemeClr val="lt1"/>
+          </a:fontRef>
+        </p:style>
+        <p:txBody>
+          <a:bodyPr rtlCol="0" anchor="ctr"/>
+          <a:lstStyle/>
+          <a:p>
+            <a:pPr algn="ctr"/>
+            <a:endParaRPr lang="es-ES"/>
+          </a:p>
+        </p:txBody>
+      </p:sp>
+      <p:sp>
+        <p:nvSpPr>
+          <p:cNvPr id="14" name="CuadroTexto 13"/>
+          <p:cNvSpPr txBox="1"/>
+          <p:nvPr/>
+        </p:nvSpPr>
+        <p:spPr>
+          <a:xfrm>
+            <a:off x="3073175" y="5890668"/>
+            <a:ext cx="951734" cy="461665"/>
+          </a:xfrm>
+          <a:prstGeom prst="rect">
+            <a:avLst/>
+          </a:prstGeom>
+          <a:noFill/>
+        </p:spPr>
+        <p:txBody>
+          <a:bodyPr wrap="square" rtlCol="0">
+            <a:spAutoFit/>
+          </a:bodyPr>
+          <a:lstStyle/>
+          <a:p>
+            <a:r>
+              <a:rPr lang="es-ES" sz="2400" b="1" dirty="0" smtClean="0"/>
+              <a:t>TEST</a:t>
+            </a:r>
+            <a:endParaRPr lang="es-ES" sz="2400" b="1" dirty="0"/>
+          </a:p>
+        </p:txBody>
+      </p:sp>
+      <p:sp>
+        <p:nvSpPr>
+          <p:cNvPr id="23" name="Flecha curvada hacia abajo 22"/>
+          <p:cNvSpPr/>
+          <p:nvPr/>
+        </p:nvSpPr>
+        <p:spPr>
+          <a:xfrm>
+            <a:off x="1906588" y="3715792"/>
+            <a:ext cx="1848815" cy="429615"/>
+          </a:xfrm>
+          <a:prstGeom prst="curvedDownArrow">
+            <a:avLst/>
+          </a:prstGeom>
+          <a:solidFill>
+            <a:srgbClr val="00B050"/>
+          </a:solidFill>
+        </p:spPr>
+        <p:style>
+          <a:lnRef idx="2">
+            <a:schemeClr val="accent1">
+              <a:shade val="50000"/>
+            </a:schemeClr>
+          </a:lnRef>
+          <a:fillRef idx="1">
+            <a:schemeClr val="accent1"/>
+          </a:fillRef>
+          <a:effectRef idx="0">
+            <a:schemeClr val="accent1"/>
+          </a:effectRef>
+          <a:fontRef idx="minor">
+            <a:schemeClr val="lt1"/>
+          </a:fontRef>
+        </p:style>
+        <p:txBody>
+          <a:bodyPr rtlCol="0" anchor="ctr"/>
+          <a:lstStyle/>
+          <a:p>
+            <a:pPr algn="ctr"/>
+            <a:endParaRPr lang="es-ES">
+              <a:solidFill>
+                <a:schemeClr val="tx1"/>
+              </a:solidFill>
+            </a:endParaRPr>
+          </a:p>
+        </p:txBody>
+      </p:sp>
+      <p:sp>
+        <p:nvSpPr>
+          <p:cNvPr id="27" name="Flecha curvada hacia abajo 26"/>
+          <p:cNvSpPr/>
+          <p:nvPr/>
+        </p:nvSpPr>
+        <p:spPr>
+          <a:xfrm rot="7463226">
+            <a:off x="4120612" y="5413228"/>
+            <a:ext cx="1627158" cy="580638"/>
+          </a:xfrm>
+          <a:prstGeom prst="curvedDownArrow">
+            <a:avLst/>
+          </a:prstGeom>
+          <a:solidFill>
+            <a:srgbClr val="00B050"/>
+          </a:solidFill>
+        </p:spPr>
+        <p:style>
+          <a:lnRef idx="2">
+            <a:schemeClr val="accent1">
+              <a:shade val="50000"/>
+            </a:schemeClr>
+          </a:lnRef>
+          <a:fillRef idx="1">
+            <a:schemeClr val="accent1"/>
+          </a:fillRef>
+          <a:effectRef idx="0">
+            <a:schemeClr val="accent1"/>
+          </a:effectRef>
+          <a:fontRef idx="minor">
+            <a:schemeClr val="lt1"/>
+          </a:fontRef>
+        </p:style>
+        <p:txBody>
+          <a:bodyPr rtlCol="0" anchor="ctr"/>
+          <a:lstStyle/>
+          <a:p>
+            <a:pPr algn="ctr"/>
+            <a:endParaRPr lang="es-ES">
+              <a:solidFill>
+                <a:schemeClr val="tx1"/>
+              </a:solidFill>
+            </a:endParaRPr>
+          </a:p>
+        </p:txBody>
+      </p:sp>
+      <p:sp>
+        <p:nvSpPr>
+          <p:cNvPr id="28" name="Flecha curvada hacia abajo 27"/>
+          <p:cNvSpPr/>
+          <p:nvPr/>
+        </p:nvSpPr>
+        <p:spPr>
+          <a:xfrm rot="12923792">
+            <a:off x="922098" y="5623131"/>
+            <a:ext cx="1627158" cy="463023"/>
+          </a:xfrm>
+          <a:prstGeom prst="curvedDownArrow">
+            <a:avLst/>
+          </a:prstGeom>
+          <a:solidFill>
+            <a:srgbClr val="00B050"/>
+          </a:solidFill>
+        </p:spPr>
+        <p:style>
+          <a:lnRef idx="2">
+            <a:schemeClr val="accent1">
+              <a:shade val="50000"/>
+            </a:schemeClr>
+          </a:lnRef>
+          <a:fillRef idx="1">
+            <a:schemeClr val="accent1"/>
+          </a:fillRef>
+          <a:effectRef idx="0">
+            <a:schemeClr val="accent1"/>
+          </a:effectRef>
+          <a:fontRef idx="minor">
+            <a:schemeClr val="lt1"/>
+          </a:fontRef>
+        </p:style>
+        <p:txBody>
+          <a:bodyPr rtlCol="0" anchor="ctr"/>
+          <a:lstStyle/>
+          <a:p>
+            <a:pPr algn="ctr"/>
+            <a:endParaRPr lang="es-ES">
+              <a:solidFill>
+                <a:schemeClr val="tx1"/>
+              </a:solidFill>
+            </a:endParaRPr>
+          </a:p>
+        </p:txBody>
+      </p:sp>
     </p:spTree>
     <p:extLst>
       <p:ext uri="{BB962C8B-B14F-4D97-AF65-F5344CB8AC3E}">
@@ -6125,27 +7598,80 @@
       </p:pic>
       <p:sp>
         <p:nvSpPr>
-          <p:cNvPr id="2" name="Título 1"/>
+          <p:cNvPr id="3" name="Marcador de contenido 2"/>
           <p:cNvSpPr>
             <a:spLocks noGrp="1"/>
           </p:cNvSpPr>
           <p:nvPr>
-            <p:ph type="title"/>
+            <p:ph idx="1"/>
           </p:nvPr>
         </p:nvSpPr>
         <p:spPr>
           <a:xfrm>
-            <a:off x="733697" y="923019"/>
-            <a:ext cx="10839994" cy="1325563"/>
-          </a:xfrm>
-        </p:spPr>
-        <p:txBody>
-          <a:bodyPr/>
-          <a:lstStyle/>
-          <a:p>
+            <a:off x="733697" y="1773876"/>
+            <a:ext cx="5811482" cy="4351338"/>
+          </a:xfrm>
+        </p:spPr>
+        <p:txBody>
+          <a:bodyPr>
+            <a:normAutofit fontScale="92500" lnSpcReduction="20000"/>
+          </a:bodyPr>
+          <a:lstStyle/>
+          <a:p>
+            <a:endParaRPr lang="es-ES" dirty="0" smtClean="0"/>
+          </a:p>
+          <a:p>
+            <a:pPr algn="just"/>
             <a:r>
               <a:rPr lang="es-ES" dirty="0" smtClean="0"/>
-              <a:t>Paradigmas de programación</a:t>
+              <a:t>Intersección de la </a:t>
+            </a:r>
+            <a:r>
+              <a:rPr lang="es-ES" dirty="0" smtClean="0"/>
+              <a:t>trayectoria de una órbita </a:t>
+            </a:r>
+            <a:r>
+              <a:rPr lang="es-ES" dirty="0" smtClean="0"/>
+              <a:t>con un </a:t>
+            </a:r>
+            <a:r>
+              <a:rPr lang="es-ES" dirty="0" smtClean="0"/>
+              <a:t>plano</a:t>
+            </a:r>
+          </a:p>
+          <a:p>
+            <a:pPr algn="just"/>
+            <a:endParaRPr lang="es-ES" dirty="0" smtClean="0"/>
+          </a:p>
+          <a:p>
+            <a:pPr algn="just"/>
+            <a:r>
+              <a:rPr lang="es-ES" dirty="0" smtClean="0"/>
+              <a:t>Propósito: Analizar el cambio de una órbita en cada paso por el plano</a:t>
+            </a:r>
+          </a:p>
+          <a:p>
+            <a:pPr algn="just"/>
+            <a:endParaRPr lang="es-ES" dirty="0"/>
+          </a:p>
+          <a:p>
+            <a:pPr algn="just"/>
+            <a:r>
+              <a:rPr lang="es-ES" dirty="0" smtClean="0"/>
+              <a:t>Determinar nivel de Caos comprendido en una órbita</a:t>
+            </a:r>
+            <a:endParaRPr lang="es-ES" dirty="0"/>
+          </a:p>
+          <a:p>
+            <a:endParaRPr lang="es-ES" dirty="0" smtClean="0"/>
+          </a:p>
+          <a:p>
+            <a:pPr marL="0" indent="0">
+              <a:buNone/>
+            </a:pPr>
+            <a:r>
+              <a:rPr lang="es-ES" dirty="0" smtClean="0"/>
+              <a:t>	</a:t>
             </a:r>
             <a:endParaRPr lang="es-ES" dirty="0"/>
           </a:p>
@@ -6161,8 +7687,8 @@
         </p:nvSpPr>
         <p:spPr>
           <a:xfrm>
-            <a:off x="603069" y="2066986"/>
-            <a:ext cx="10343606" cy="4351338"/>
+            <a:off x="733697" y="1773876"/>
+            <a:ext cx="10657114" cy="4351338"/>
           </a:xfrm>
           <a:prstGeom prst="rect">
             <a:avLst/>
@@ -6337,191 +7863,114 @@
             </a:lvl9pPr>
           </a:lstStyle>
           <a:p>
+            <a:pPr marL="0" indent="0">
+              <a:buFont typeface="Arial" panose="020B0604020202020204" pitchFamily="34" charset="0"/>
+              <a:buNone/>
+            </a:pPr>
             <a:endParaRPr lang="es-ES" dirty="0" smtClean="0"/>
           </a:p>
-        </p:txBody>
-      </p:sp>
-      <p:sp>
-        <p:nvSpPr>
-          <p:cNvPr id="7" name="CuadroTexto 6"/>
-          <p:cNvSpPr txBox="1"/>
-          <p:nvPr/>
-        </p:nvSpPr>
-        <p:spPr>
-          <a:xfrm>
-            <a:off x="1072244" y="1795831"/>
-            <a:ext cx="5550625" cy="4893647"/>
-          </a:xfrm>
-          <a:prstGeom prst="rect">
-            <a:avLst/>
-          </a:prstGeom>
-          <a:noFill/>
-        </p:spPr>
-        <p:txBody>
-          <a:bodyPr wrap="square" rtlCol="0">
-            <a:spAutoFit/>
-          </a:bodyPr>
-          <a:lstStyle/>
-          <a:p>
-            <a:pPr marL="285750" indent="-285750">
-              <a:buFont typeface="Arial" panose="020B0604020202020204" pitchFamily="34" charset="0"/>
-              <a:buChar char="•"/>
-            </a:pPr>
-            <a:endParaRPr lang="es-ES" sz="2400" dirty="0" smtClean="0"/>
-          </a:p>
-          <a:p>
-            <a:pPr marL="285750" indent="-285750">
-              <a:buFont typeface="Arial" panose="020B0604020202020204" pitchFamily="34" charset="0"/>
-              <a:buChar char="•"/>
-            </a:pPr>
-            <a:r>
-              <a:rPr lang="es-ES" sz="2400" dirty="0" smtClean="0"/>
-              <a:t>Programación funcional</a:t>
-            </a:r>
-          </a:p>
-          <a:p>
-            <a:pPr marL="742950" lvl="1" indent="-285750">
-              <a:buFont typeface="Arial" panose="020B0604020202020204" pitchFamily="34" charset="0"/>
-              <a:buChar char="•"/>
-            </a:pPr>
-            <a:r>
-              <a:rPr lang="es-ES" sz="2400" dirty="0" smtClean="0"/>
-              <a:t>Matemático</a:t>
-            </a:r>
-          </a:p>
-          <a:p>
-            <a:pPr marL="742950" lvl="1" indent="-285750">
-              <a:buFont typeface="Arial" panose="020B0604020202020204" pitchFamily="34" charset="0"/>
-              <a:buChar char="•"/>
-            </a:pPr>
-            <a:r>
-              <a:rPr lang="es-ES" sz="2400" dirty="0" smtClean="0"/>
-              <a:t>Funciones</a:t>
-            </a:r>
-          </a:p>
-          <a:p>
-            <a:endParaRPr lang="es-ES" sz="2400" dirty="0" smtClean="0"/>
-          </a:p>
-          <a:p>
-            <a:endParaRPr lang="es-ES" sz="2400" dirty="0"/>
-          </a:p>
-          <a:p>
-            <a:pPr marL="285750" indent="-285750">
-              <a:buFont typeface="Arial" panose="020B0604020202020204" pitchFamily="34" charset="0"/>
-              <a:buChar char="•"/>
-            </a:pPr>
-            <a:r>
-              <a:rPr lang="es-ES" sz="2400" dirty="0" smtClean="0"/>
-              <a:t>Programación orientada a objetos: </a:t>
-            </a:r>
-          </a:p>
-          <a:p>
-            <a:pPr marL="742950" lvl="1" indent="-285750">
-              <a:buFont typeface="Arial" panose="020B0604020202020204" pitchFamily="34" charset="0"/>
-              <a:buChar char="•"/>
-            </a:pPr>
-            <a:r>
-              <a:rPr lang="es-ES" sz="2400" dirty="0" smtClean="0"/>
-              <a:t>Clases</a:t>
-            </a:r>
-          </a:p>
-          <a:p>
-            <a:pPr marL="742950" lvl="1" indent="-285750">
-              <a:buFont typeface="Arial" panose="020B0604020202020204" pitchFamily="34" charset="0"/>
-              <a:buChar char="•"/>
-            </a:pPr>
-            <a:r>
-              <a:rPr lang="es-ES" sz="2400" dirty="0" smtClean="0"/>
-              <a:t>métodos</a:t>
-            </a:r>
-          </a:p>
-          <a:p>
-            <a:pPr marL="742950" lvl="1" indent="-285750">
-              <a:buFont typeface="Arial" panose="020B0604020202020204" pitchFamily="34" charset="0"/>
-              <a:buChar char="•"/>
-            </a:pPr>
-            <a:r>
-              <a:rPr lang="es-ES" sz="2400" dirty="0" smtClean="0"/>
-              <a:t>Encapsulamiento</a:t>
-            </a:r>
-          </a:p>
-          <a:p>
-            <a:pPr marL="285750" indent="-285750">
-              <a:buFont typeface="Arial" panose="020B0604020202020204" pitchFamily="34" charset="0"/>
-              <a:buChar char="•"/>
-            </a:pPr>
-            <a:endParaRPr lang="es-ES" sz="2400" dirty="0" smtClean="0"/>
-          </a:p>
-          <a:p>
-            <a:pPr marL="285750" indent="-285750">
-              <a:buFont typeface="Arial" panose="020B0604020202020204" pitchFamily="34" charset="0"/>
-              <a:buChar char="•"/>
-            </a:pPr>
-            <a:r>
-              <a:rPr lang="es-ES" sz="2400" dirty="0" smtClean="0"/>
-              <a:t>Otros: Imperativo, declarativo, lógico…</a:t>
-            </a:r>
-            <a:endParaRPr lang="es-ES" sz="2400" dirty="0"/>
-          </a:p>
-          <a:p>
-            <a:pPr marL="285750" indent="-285750">
-              <a:buFont typeface="Arial" panose="020B0604020202020204" pitchFamily="34" charset="0"/>
-              <a:buChar char="•"/>
-            </a:pPr>
-            <a:endParaRPr lang="es-ES" sz="2400" dirty="0"/>
+          <a:p>
+            <a:endParaRPr lang="es-ES" dirty="0"/>
+          </a:p>
+        </p:txBody>
+      </p:sp>
+      <p:sp>
+        <p:nvSpPr>
+          <p:cNvPr id="2" name="Título 1"/>
+          <p:cNvSpPr>
+            <a:spLocks noGrp="1"/>
+          </p:cNvSpPr>
+          <p:nvPr>
+            <p:ph type="title"/>
+          </p:nvPr>
+        </p:nvSpPr>
+        <p:spPr>
+          <a:xfrm>
+            <a:off x="733697" y="923019"/>
+            <a:ext cx="10839994" cy="1325563"/>
+          </a:xfrm>
+        </p:spPr>
+        <p:txBody>
+          <a:bodyPr/>
+          <a:lstStyle/>
+          <a:p>
+            <a:r>
+              <a:rPr lang="es-ES" dirty="0" smtClean="0"/>
+              <a:t>Conceptos teóricos II (Mapa </a:t>
+            </a:r>
+            <a:r>
+              <a:rPr lang="es-ES" dirty="0" smtClean="0"/>
+              <a:t>de </a:t>
+            </a:r>
+            <a:r>
+              <a:rPr lang="es-ES" dirty="0" err="1" smtClean="0"/>
+              <a:t>Poincaré</a:t>
+            </a:r>
+            <a:r>
+              <a:rPr lang="es-ES" dirty="0" smtClean="0"/>
+              <a:t>)</a:t>
+            </a:r>
+            <a:endParaRPr lang="es-ES" dirty="0"/>
           </a:p>
         </p:txBody>
       </p:sp>
       <p:pic>
         <p:nvPicPr>
-          <p:cNvPr id="10" name="Imagen 9"/>
+          <p:cNvPr id="5" name="Imagen 4"/>
           <p:cNvPicPr>
             <a:picLocks noChangeAspect="1"/>
           </p:cNvPicPr>
           <p:nvPr/>
         </p:nvPicPr>
-        <p:blipFill rotWithShape="1">
-          <a:blip r:embed="rId3"/>
-          <a:srcRect r="14727" b="64915"/>
-          <a:stretch/>
+        <p:blipFill>
+          <a:blip r:embed="rId3">
+            <a:extLst>
+              <a:ext uri="{28A0092B-C50C-407E-A947-70E740481C1C}">
+                <a14:useLocalDpi xmlns:a14="http://schemas.microsoft.com/office/drawing/2010/main" val="0"/>
+              </a:ext>
+            </a:extLst>
+          </a:blip>
+          <a:stretch>
+            <a:fillRect/>
+          </a:stretch>
         </p:blipFill>
         <p:spPr>
           <a:xfrm>
-            <a:off x="6192883" y="2248582"/>
-            <a:ext cx="5708469" cy="1224899"/>
+            <a:off x="7529306" y="2389364"/>
+            <a:ext cx="3716209" cy="3120361"/>
           </a:xfrm>
           <a:prstGeom prst="rect">
             <a:avLst/>
           </a:prstGeom>
         </p:spPr>
       </p:pic>
-      <p:pic>
-        <p:nvPicPr>
-          <p:cNvPr id="12" name="Imagen 11"/>
-          <p:cNvPicPr>
-            <a:picLocks noChangeAspect="1"/>
-          </p:cNvPicPr>
-          <p:nvPr/>
-        </p:nvPicPr>
-        <p:blipFill rotWithShape="1">
-          <a:blip r:embed="rId3"/>
-          <a:srcRect t="35894"/>
-          <a:stretch/>
-        </p:blipFill>
-        <p:spPr>
-          <a:xfrm>
-            <a:off x="6244754" y="4086908"/>
-            <a:ext cx="5330354" cy="1782113"/>
-          </a:xfrm>
-          <a:prstGeom prst="rect">
-            <a:avLst/>
-          </a:prstGeom>
-        </p:spPr>
-      </p:pic>
+      <p:sp>
+        <p:nvSpPr>
+          <p:cNvPr id="6" name="Marcador de número de diapositiva 5"/>
+          <p:cNvSpPr>
+            <a:spLocks noGrp="1"/>
+          </p:cNvSpPr>
+          <p:nvPr>
+            <p:ph type="sldNum" sz="quarter" idx="12"/>
+          </p:nvPr>
+        </p:nvSpPr>
+        <p:spPr/>
+        <p:txBody>
+          <a:bodyPr/>
+          <a:lstStyle/>
+          <a:p>
+            <a:fld id="{B6E54122-A161-4A28-A205-323FD116BF0F}" type="slidenum">
+              <a:rPr lang="es-ES" smtClean="0"/>
+              <a:t>5</a:t>
+            </a:fld>
+            <a:endParaRPr lang="es-ES"/>
+          </a:p>
+        </p:txBody>
+      </p:sp>
     </p:spTree>
     <p:extLst>
       <p:ext uri="{BB962C8B-B14F-4D97-AF65-F5344CB8AC3E}">
-        <p14:creationId xmlns:p14="http://schemas.microsoft.com/office/powerpoint/2010/main" val="171734189"/>
+        <p14:creationId xmlns:p14="http://schemas.microsoft.com/office/powerpoint/2010/main" val="31827263"/>
       </p:ext>
     </p:extLst>
   </p:cSld>
@@ -6581,60 +8030,35 @@
       </p:pic>
       <p:sp>
         <p:nvSpPr>
-          <p:cNvPr id="3" name="Marcador de contenido 2"/>
+          <p:cNvPr id="2" name="Título 1"/>
           <p:cNvSpPr>
             <a:spLocks noGrp="1"/>
           </p:cNvSpPr>
           <p:nvPr>
-            <p:ph idx="1"/>
+            <p:ph type="title"/>
           </p:nvPr>
         </p:nvSpPr>
         <p:spPr>
           <a:xfrm>
-            <a:off x="733697" y="1773876"/>
-            <a:ext cx="5236029" cy="4351338"/>
+            <a:off x="735114" y="1213750"/>
+            <a:ext cx="10839994" cy="1325563"/>
           </a:xfrm>
         </p:spPr>
         <p:txBody>
           <a:bodyPr/>
           <a:lstStyle/>
           <a:p>
-            <a:endParaRPr lang="es-ES" dirty="0" smtClean="0"/>
-          </a:p>
-          <a:p>
             <a:r>
               <a:rPr lang="es-ES" dirty="0" smtClean="0"/>
-              <a:t>Intersección de la </a:t>
+              <a:t>Conceptos teóricos II (Paradigmas </a:t>
             </a:r>
             <a:r>
               <a:rPr lang="es-ES" dirty="0" smtClean="0"/>
-              <a:t>trayectoria de una órbita </a:t>
+              <a:t>de </a:t>
             </a:r>
             <a:r>
               <a:rPr lang="es-ES" dirty="0" smtClean="0"/>
-              <a:t>con un </a:t>
-            </a:r>
-            <a:r>
-              <a:rPr lang="es-ES" dirty="0" smtClean="0"/>
-              <a:t>plano</a:t>
-            </a:r>
-          </a:p>
-          <a:p>
-            <a:endParaRPr lang="es-ES" dirty="0" smtClean="0"/>
-          </a:p>
-          <a:p>
-            <a:endParaRPr lang="es-ES" dirty="0"/>
-          </a:p>
-          <a:p>
-            <a:endParaRPr lang="es-ES" dirty="0" smtClean="0"/>
-          </a:p>
-          <a:p>
-            <a:pPr marL="0" indent="0">
-              <a:buNone/>
-            </a:pPr>
-            <a:r>
-              <a:rPr lang="es-ES" dirty="0" smtClean="0"/>
-              <a:t>	</a:t>
+              <a:t>programación)</a:t>
             </a:r>
             <a:endParaRPr lang="es-ES" dirty="0"/>
           </a:p>
@@ -6650,8 +8074,8 @@
         </p:nvSpPr>
         <p:spPr>
           <a:xfrm>
-            <a:off x="733697" y="1773876"/>
-            <a:ext cx="10657114" cy="4351338"/>
+            <a:off x="603069" y="2066986"/>
+            <a:ext cx="10343606" cy="4351338"/>
           </a:xfrm>
           <a:prstGeom prst="rect">
             <a:avLst/>
@@ -6826,87 +8250,220 @@
             </a:lvl9pPr>
           </a:lstStyle>
           <a:p>
-            <a:pPr marL="0" indent="0">
+            <a:endParaRPr lang="es-ES" dirty="0" smtClean="0"/>
+          </a:p>
+        </p:txBody>
+      </p:sp>
+      <p:sp>
+        <p:nvSpPr>
+          <p:cNvPr id="7" name="CuadroTexto 6"/>
+          <p:cNvSpPr txBox="1"/>
+          <p:nvPr/>
+        </p:nvSpPr>
+        <p:spPr>
+          <a:xfrm>
+            <a:off x="1072244" y="1795831"/>
+            <a:ext cx="5550625" cy="4893647"/>
+          </a:xfrm>
+          <a:prstGeom prst="rect">
+            <a:avLst/>
+          </a:prstGeom>
+          <a:noFill/>
+        </p:spPr>
+        <p:txBody>
+          <a:bodyPr wrap="square" rtlCol="0">
+            <a:spAutoFit/>
+          </a:bodyPr>
+          <a:lstStyle/>
+          <a:p>
+            <a:pPr marL="285750" indent="-285750">
               <a:buFont typeface="Arial" panose="020B0604020202020204" pitchFamily="34" charset="0"/>
-              <a:buNone/>
+              <a:buChar char="•"/>
             </a:pPr>
-            <a:endParaRPr lang="es-ES" dirty="0" smtClean="0"/>
-          </a:p>
-          <a:p>
-            <a:endParaRPr lang="es-ES" dirty="0"/>
-          </a:p>
-        </p:txBody>
-      </p:sp>
-      <p:sp>
-        <p:nvSpPr>
-          <p:cNvPr id="2" name="Título 1"/>
-          <p:cNvSpPr>
-            <a:spLocks noGrp="1"/>
-          </p:cNvSpPr>
-          <p:nvPr>
-            <p:ph type="title"/>
-          </p:nvPr>
-        </p:nvSpPr>
-        <p:spPr>
-          <a:xfrm>
-            <a:off x="733697" y="923019"/>
-            <a:ext cx="10839994" cy="1325563"/>
-          </a:xfrm>
-        </p:spPr>
-        <p:txBody>
-          <a:bodyPr/>
-          <a:lstStyle/>
-          <a:p>
-            <a:r>
-              <a:rPr lang="es-ES" dirty="0" smtClean="0"/>
-              <a:t>Mapa de </a:t>
-            </a:r>
-            <a:r>
-              <a:rPr lang="es-ES" dirty="0" err="1" smtClean="0"/>
-              <a:t>Poincaré</a:t>
-            </a:r>
-            <a:r>
-              <a:rPr lang="es-ES" dirty="0" smtClean="0"/>
-              <a:t>	</a:t>
-            </a:r>
-            <a:endParaRPr lang="es-ES" dirty="0"/>
+            <a:endParaRPr lang="es-ES" sz="2400" dirty="0" smtClean="0"/>
+          </a:p>
+          <a:p>
+            <a:pPr marL="285750" indent="-285750">
+              <a:buFont typeface="Arial" panose="020B0604020202020204" pitchFamily="34" charset="0"/>
+              <a:buChar char="•"/>
+            </a:pPr>
+            <a:endParaRPr lang="es-ES" sz="2400" dirty="0" smtClean="0"/>
+          </a:p>
+          <a:p>
+            <a:pPr marL="285750" indent="-285750">
+              <a:buFont typeface="Arial" panose="020B0604020202020204" pitchFamily="34" charset="0"/>
+              <a:buChar char="•"/>
+            </a:pPr>
+            <a:r>
+              <a:rPr lang="es-ES" sz="2400" dirty="0" smtClean="0"/>
+              <a:t>Programación funcional</a:t>
+            </a:r>
+          </a:p>
+          <a:p>
+            <a:pPr marL="742950" lvl="1" indent="-285750">
+              <a:buFont typeface="Arial" panose="020B0604020202020204" pitchFamily="34" charset="0"/>
+              <a:buChar char="•"/>
+            </a:pPr>
+            <a:r>
+              <a:rPr lang="es-ES" sz="2400" dirty="0" smtClean="0"/>
+              <a:t>Matemático</a:t>
+            </a:r>
+          </a:p>
+          <a:p>
+            <a:pPr marL="742950" lvl="1" indent="-285750">
+              <a:buFont typeface="Arial" panose="020B0604020202020204" pitchFamily="34" charset="0"/>
+              <a:buChar char="•"/>
+            </a:pPr>
+            <a:r>
+              <a:rPr lang="es-ES" sz="2400" dirty="0" smtClean="0"/>
+              <a:t>Funciones</a:t>
+            </a:r>
+          </a:p>
+          <a:p>
+            <a:endParaRPr lang="es-ES" sz="2400" dirty="0"/>
+          </a:p>
+          <a:p>
+            <a:pPr marL="285750" indent="-285750">
+              <a:buFont typeface="Arial" panose="020B0604020202020204" pitchFamily="34" charset="0"/>
+              <a:buChar char="•"/>
+            </a:pPr>
+            <a:r>
+              <a:rPr lang="es-ES" sz="2400" dirty="0" smtClean="0"/>
+              <a:t>Programación orientada a objetos: </a:t>
+            </a:r>
+          </a:p>
+          <a:p>
+            <a:pPr marL="742950" lvl="1" indent="-285750">
+              <a:buFont typeface="Arial" panose="020B0604020202020204" pitchFamily="34" charset="0"/>
+              <a:buChar char="•"/>
+            </a:pPr>
+            <a:r>
+              <a:rPr lang="es-ES" sz="2400" dirty="0" smtClean="0"/>
+              <a:t>Clases</a:t>
+            </a:r>
+          </a:p>
+          <a:p>
+            <a:pPr marL="742950" lvl="1" indent="-285750">
+              <a:buFont typeface="Arial" panose="020B0604020202020204" pitchFamily="34" charset="0"/>
+              <a:buChar char="•"/>
+            </a:pPr>
+            <a:r>
+              <a:rPr lang="es-ES" sz="2400" dirty="0" smtClean="0"/>
+              <a:t>Métodos</a:t>
+            </a:r>
+            <a:endParaRPr lang="es-ES" sz="2400" dirty="0" smtClean="0"/>
+          </a:p>
+          <a:p>
+            <a:pPr marL="742950" lvl="1" indent="-285750">
+              <a:buFont typeface="Arial" panose="020B0604020202020204" pitchFamily="34" charset="0"/>
+              <a:buChar char="•"/>
+            </a:pPr>
+            <a:r>
+              <a:rPr lang="es-ES" sz="2400" dirty="0" smtClean="0"/>
+              <a:t>Atributos</a:t>
+            </a:r>
+            <a:endParaRPr lang="es-ES" sz="2400" dirty="0" smtClean="0"/>
+          </a:p>
+          <a:p>
+            <a:pPr marL="285750" indent="-285750">
+              <a:buFont typeface="Arial" panose="020B0604020202020204" pitchFamily="34" charset="0"/>
+              <a:buChar char="•"/>
+            </a:pPr>
+            <a:endParaRPr lang="es-ES" sz="2400" dirty="0" smtClean="0"/>
+          </a:p>
+          <a:p>
+            <a:pPr marL="285750" indent="-285750">
+              <a:buFont typeface="Arial" panose="020B0604020202020204" pitchFamily="34" charset="0"/>
+              <a:buChar char="•"/>
+            </a:pPr>
+            <a:r>
+              <a:rPr lang="es-ES" sz="2400" dirty="0" smtClean="0"/>
+              <a:t>Otros: Imperativo, declarativo, lógico…</a:t>
+            </a:r>
+            <a:endParaRPr lang="es-ES" sz="2400" dirty="0"/>
+          </a:p>
+          <a:p>
+            <a:pPr marL="285750" indent="-285750">
+              <a:buFont typeface="Arial" panose="020B0604020202020204" pitchFamily="34" charset="0"/>
+              <a:buChar char="•"/>
+            </a:pPr>
+            <a:endParaRPr lang="es-ES" sz="2400" dirty="0"/>
           </a:p>
         </p:txBody>
       </p:sp>
       <p:pic>
         <p:nvPicPr>
-          <p:cNvPr id="5" name="Imagen 4"/>
+          <p:cNvPr id="10" name="Imagen 9"/>
           <p:cNvPicPr>
             <a:picLocks noChangeAspect="1"/>
           </p:cNvPicPr>
           <p:nvPr/>
         </p:nvPicPr>
-        <p:blipFill>
-          <a:blip r:embed="rId3">
-            <a:extLst>
-              <a:ext uri="{28A0092B-C50C-407E-A947-70E740481C1C}">
-                <a14:useLocalDpi xmlns:a14="http://schemas.microsoft.com/office/drawing/2010/main" val="0"/>
-              </a:ext>
-            </a:extLst>
-          </a:blip>
-          <a:stretch>
-            <a:fillRect/>
-          </a:stretch>
+        <p:blipFill rotWithShape="1">
+          <a:blip r:embed="rId3"/>
+          <a:srcRect r="14727" b="64915"/>
+          <a:stretch/>
         </p:blipFill>
         <p:spPr>
           <a:xfrm>
-            <a:off x="6855537" y="2624733"/>
-            <a:ext cx="3716209" cy="3120361"/>
+            <a:off x="6225106" y="2609283"/>
+            <a:ext cx="5128694" cy="1100493"/>
           </a:xfrm>
           <a:prstGeom prst="rect">
             <a:avLst/>
           </a:prstGeom>
         </p:spPr>
       </p:pic>
+      <p:pic>
+        <p:nvPicPr>
+          <p:cNvPr id="12" name="Imagen 11"/>
+          <p:cNvPicPr>
+            <a:picLocks noChangeAspect="1"/>
+          </p:cNvPicPr>
+          <p:nvPr/>
+        </p:nvPicPr>
+        <p:blipFill rotWithShape="1">
+          <a:blip r:embed="rId3"/>
+          <a:srcRect t="35894"/>
+          <a:stretch/>
+        </p:blipFill>
+        <p:spPr>
+          <a:xfrm>
+            <a:off x="6359648" y="4107883"/>
+            <a:ext cx="4994152" cy="1669710"/>
+          </a:xfrm>
+          <a:prstGeom prst="rect">
+            <a:avLst/>
+          </a:prstGeom>
+        </p:spPr>
+      </p:pic>
+      <p:sp>
+        <p:nvSpPr>
+          <p:cNvPr id="3" name="Marcador de número de diapositiva 2"/>
+          <p:cNvSpPr>
+            <a:spLocks noGrp="1"/>
+          </p:cNvSpPr>
+          <p:nvPr>
+            <p:ph type="sldNum" sz="quarter" idx="12"/>
+          </p:nvPr>
+        </p:nvSpPr>
+        <p:spPr/>
+        <p:txBody>
+          <a:bodyPr/>
+          <a:lstStyle/>
+          <a:p>
+            <a:fld id="{B6E54122-A161-4A28-A205-323FD116BF0F}" type="slidenum">
+              <a:rPr lang="es-ES" smtClean="0"/>
+              <a:t>6</a:t>
+            </a:fld>
+            <a:endParaRPr lang="es-ES"/>
+          </a:p>
+        </p:txBody>
+      </p:sp>
     </p:spTree>
     <p:extLst>
       <p:ext uri="{BB962C8B-B14F-4D97-AF65-F5344CB8AC3E}">
-        <p14:creationId xmlns:p14="http://schemas.microsoft.com/office/powerpoint/2010/main" val="31827263"/>
+        <p14:creationId xmlns:p14="http://schemas.microsoft.com/office/powerpoint/2010/main" val="171734189"/>
       </p:ext>
     </p:extLst>
   </p:cSld>
@@ -7091,16 +8648,15 @@
           </p:cNvPicPr>
           <p:nvPr/>
         </p:nvPicPr>
-        <p:blipFill>
+        <p:blipFill rotWithShape="1">
           <a:blip r:embed="rId5"/>
-          <a:stretch>
-            <a:fillRect/>
-          </a:stretch>
+          <a:srcRect b="28388"/>
+          <a:stretch/>
         </p:blipFill>
         <p:spPr>
           <a:xfrm>
             <a:off x="7341866" y="3808528"/>
-            <a:ext cx="1859278" cy="2611843"/>
+            <a:ext cx="1859278" cy="1870377"/>
           </a:xfrm>
           <a:prstGeom prst="rect">
             <a:avLst/>
@@ -7551,8 +9107,8 @@
         </p:nvCxnSpPr>
         <p:spPr>
           <a:xfrm>
-            <a:off x="9144268" y="3158244"/>
-            <a:ext cx="1094287" cy="684513"/>
+            <a:off x="8775032" y="3366621"/>
+            <a:ext cx="1463523" cy="476136"/>
           </a:xfrm>
           <a:prstGeom prst="curvedConnector2">
             <a:avLst/>
@@ -7579,6 +9135,29 @@
           </a:fontRef>
         </p:style>
       </p:cxnSp>
+      <p:sp>
+        <p:nvSpPr>
+          <p:cNvPr id="73" name="Marcador de número de diapositiva 72"/>
+          <p:cNvSpPr>
+            <a:spLocks noGrp="1"/>
+          </p:cNvSpPr>
+          <p:nvPr>
+            <p:ph type="sldNum" sz="quarter" idx="12"/>
+          </p:nvPr>
+        </p:nvSpPr>
+        <p:spPr/>
+        <p:txBody>
+          <a:bodyPr/>
+          <a:lstStyle/>
+          <a:p>
+            <a:fld id="{B6E54122-A161-4A28-A205-323FD116BF0F}" type="slidenum">
+              <a:rPr lang="es-ES" smtClean="0"/>
+              <a:t>7</a:t>
+            </a:fld>
+            <a:endParaRPr lang="es-ES"/>
+          </a:p>
+        </p:txBody>
+      </p:sp>
     </p:spTree>
     <p:extLst>
       <p:ext uri="{BB962C8B-B14F-4D97-AF65-F5344CB8AC3E}">
@@ -8000,7 +9579,7 @@
           <a:prstGeom prst="straightConnector1">
             <a:avLst/>
           </a:prstGeom>
-          <a:ln>
+          <a:ln w="28575">
             <a:solidFill>
               <a:srgbClr val="FF0000"/>
             </a:solidFill>
@@ -8038,7 +9617,7 @@
           <a:prstGeom prst="straightConnector1">
             <a:avLst/>
           </a:prstGeom>
-          <a:ln>
+          <a:ln w="28575">
             <a:solidFill>
               <a:srgbClr val="FF0000"/>
             </a:solidFill>
@@ -8070,13 +9649,13 @@
         </p:nvCxnSpPr>
         <p:spPr>
           <a:xfrm>
-            <a:off x="3053275" y="3962403"/>
-            <a:ext cx="1695022" cy="261610"/>
+            <a:off x="3128211" y="4224013"/>
+            <a:ext cx="1620086" cy="0"/>
           </a:xfrm>
           <a:prstGeom prst="straightConnector1">
             <a:avLst/>
           </a:prstGeom>
-          <a:ln>
+          <a:ln w="28575">
             <a:solidFill>
               <a:srgbClr val="FF0000"/>
             </a:solidFill>
@@ -8244,12 +9823,12 @@
         <p:spPr>
           <a:xfrm flipH="1">
             <a:off x="6933341" y="5336480"/>
-            <a:ext cx="2404581" cy="261610"/>
+            <a:ext cx="2157611" cy="261610"/>
           </a:xfrm>
           <a:prstGeom prst="straightConnector1">
             <a:avLst/>
           </a:prstGeom>
-          <a:ln>
+          <a:ln w="28575">
             <a:solidFill>
               <a:srgbClr val="FF0000"/>
             </a:solidFill>
@@ -8287,7 +9866,7 @@
           <a:prstGeom prst="straightConnector1">
             <a:avLst/>
           </a:prstGeom>
-          <a:ln>
+          <a:ln w="28575">
             <a:solidFill>
               <a:srgbClr val="FF0000"/>
             </a:solidFill>
@@ -8320,12 +9899,12 @@
         <p:spPr>
           <a:xfrm flipH="1" flipV="1">
             <a:off x="7940676" y="4224013"/>
-            <a:ext cx="1397246" cy="180468"/>
+            <a:ext cx="1397246" cy="261610"/>
           </a:xfrm>
           <a:prstGeom prst="straightConnector1">
             <a:avLst/>
           </a:prstGeom>
-          <a:ln>
+          <a:ln w="28575">
             <a:solidFill>
               <a:srgbClr val="FF0000"/>
             </a:solidFill>
@@ -8347,6 +9926,29 @@
           </a:fontRef>
         </p:style>
       </p:cxnSp>
+      <p:sp>
+        <p:nvSpPr>
+          <p:cNvPr id="68" name="Marcador de número de diapositiva 67"/>
+          <p:cNvSpPr>
+            <a:spLocks noGrp="1"/>
+          </p:cNvSpPr>
+          <p:nvPr>
+            <p:ph type="sldNum" sz="quarter" idx="12"/>
+          </p:nvPr>
+        </p:nvSpPr>
+        <p:spPr/>
+        <p:txBody>
+          <a:bodyPr/>
+          <a:lstStyle/>
+          <a:p>
+            <a:fld id="{B6E54122-A161-4A28-A205-323FD116BF0F}" type="slidenum">
+              <a:rPr lang="es-ES" smtClean="0"/>
+              <a:t>8</a:t>
+            </a:fld>
+            <a:endParaRPr lang="es-ES"/>
+          </a:p>
+        </p:txBody>
+      </p:sp>
     </p:spTree>
     <p:extLst>
       <p:ext uri="{BB962C8B-B14F-4D97-AF65-F5344CB8AC3E}">
@@ -9029,6 +10631,29 @@
           </p:sp>
         </mc:Fallback>
       </mc:AlternateContent>
+      <p:sp>
+        <p:nvSpPr>
+          <p:cNvPr id="6" name="Marcador de número de diapositiva 5"/>
+          <p:cNvSpPr>
+            <a:spLocks noGrp="1"/>
+          </p:cNvSpPr>
+          <p:nvPr>
+            <p:ph type="sldNum" sz="quarter" idx="12"/>
+          </p:nvPr>
+        </p:nvSpPr>
+        <p:spPr/>
+        <p:txBody>
+          <a:bodyPr/>
+          <a:lstStyle/>
+          <a:p>
+            <a:fld id="{B6E54122-A161-4A28-A205-323FD116BF0F}" type="slidenum">
+              <a:rPr lang="es-ES" smtClean="0"/>
+              <a:t>9</a:t>
+            </a:fld>
+            <a:endParaRPr lang="es-ES"/>
+          </a:p>
+        </p:txBody>
+      </p:sp>
     </p:spTree>
     <p:extLst>
       <p:ext uri="{BB962C8B-B14F-4D97-AF65-F5344CB8AC3E}">
@@ -9308,4 +10933,265 @@
     </a:ext>
   </a:extLst>
 </a:theme>
+</file>
+
+<file path=ppt/theme/theme2.xml><?xml version="1.0" encoding="utf-8"?>
+<a:theme xmlns:a="http://schemas.openxmlformats.org/drawingml/2006/main" name="Tema de Office">
+  <a:themeElements>
+    <a:clrScheme name="Office">
+      <a:dk1>
+        <a:sysClr val="windowText" lastClr="000000"/>
+      </a:dk1>
+      <a:lt1>
+        <a:sysClr val="window" lastClr="FFFFFF"/>
+      </a:lt1>
+      <a:dk2>
+        <a:srgbClr val="44546A"/>
+      </a:dk2>
+      <a:lt2>
+        <a:srgbClr val="E7E6E6"/>
+      </a:lt2>
+      <a:accent1>
+        <a:srgbClr val="5B9BD5"/>
+      </a:accent1>
+      <a:accent2>
+        <a:srgbClr val="ED7D31"/>
+      </a:accent2>
+      <a:accent3>
+        <a:srgbClr val="A5A5A5"/>
+      </a:accent3>
+      <a:accent4>
+        <a:srgbClr val="FFC000"/>
+      </a:accent4>
+      <a:accent5>
+        <a:srgbClr val="4472C4"/>
+      </a:accent5>
+      <a:accent6>
+        <a:srgbClr val="70AD47"/>
+      </a:accent6>
+      <a:hlink>
+        <a:srgbClr val="0563C1"/>
+      </a:hlink>
+      <a:folHlink>
+        <a:srgbClr val="954F72"/>
+      </a:folHlink>
+    </a:clrScheme>
+    <a:fontScheme name="Office">
+      <a:majorFont>
+        <a:latin typeface="Calibri Light" panose="020F0302020204030204"/>
+        <a:ea typeface=""/>
+        <a:cs typeface=""/>
+        <a:font script="Jpan" typeface="游ゴシック Light"/>
+        <a:font script="Hang" typeface="맑은 고딕"/>
+        <a:font script="Hans" typeface="等线 Light"/>
+        <a:font script="Hant" typeface="新細明體"/>
+        <a:font script="Arab" typeface="Times New Roman"/>
+        <a:font script="Hebr" typeface="Times New Roman"/>
+        <a:font script="Thai" typeface="Angsana New"/>
+        <a:font script="Ethi" typeface="Nyala"/>
+        <a:font script="Beng" typeface="Vrinda"/>
+        <a:font script="Gujr" typeface="Shruti"/>
+        <a:font script="Khmr" typeface="MoolBoran"/>
+        <a:font script="Knda" typeface="Tunga"/>
+        <a:font script="Guru" typeface="Raavi"/>
+        <a:font script="Cans" typeface="Euphemia"/>
+        <a:font script="Cher" typeface="Plantagenet Cherokee"/>
+        <a:font script="Yiii" typeface="Microsoft Yi Baiti"/>
+        <a:font script="Tibt" typeface="Microsoft Himalaya"/>
+        <a:font script="Thaa" typeface="MV Boli"/>
+        <a:font script="Deva" typeface="Mangal"/>
+        <a:font script="Telu" typeface="Gautami"/>
+        <a:font script="Taml" typeface="Latha"/>
+        <a:font script="Syrc" typeface="Estrangelo Edessa"/>
+        <a:font script="Orya" typeface="Kalinga"/>
+        <a:font script="Mlym" typeface="Kartika"/>
+        <a:font script="Laoo" typeface="DokChampa"/>
+        <a:font script="Sinh" typeface="Iskoola Pota"/>
+        <a:font script="Mong" typeface="Mongolian Baiti"/>
+        <a:font script="Viet" typeface="Times New Roman"/>
+        <a:font script="Uigh" typeface="Microsoft Uighur"/>
+        <a:font script="Geor" typeface="Sylfaen"/>
+      </a:majorFont>
+      <a:minorFont>
+        <a:latin typeface="Calibri" panose="020F0502020204030204"/>
+        <a:ea typeface=""/>
+        <a:cs typeface=""/>
+        <a:font script="Jpan" typeface="游ゴシック"/>
+        <a:font script="Hang" typeface="맑은 고딕"/>
+        <a:font script="Hans" typeface="等线"/>
+        <a:font script="Hant" typeface="新細明體"/>
+        <a:font script="Arab" typeface="Arial"/>
+        <a:font script="Hebr" typeface="Arial"/>
+        <a:font script="Thai" typeface="Cordia New"/>
+        <a:font script="Ethi" typeface="Nyala"/>
+        <a:font script="Beng" typeface="Vrinda"/>
+        <a:font script="Gujr" typeface="Shruti"/>
+        <a:font script="Khmr" typeface="DaunPenh"/>
+        <a:font script="Knda" typeface="Tunga"/>
+        <a:font script="Guru" typeface="Raavi"/>
+        <a:font script="Cans" typeface="Euphemia"/>
+        <a:font script="Cher" typeface="Plantagenet Cherokee"/>
+        <a:font script="Yiii" typeface="Microsoft Yi Baiti"/>
+        <a:font script="Tibt" typeface="Microsoft Himalaya"/>
+        <a:font script="Thaa" typeface="MV Boli"/>
+        <a:font script="Deva" typeface="Mangal"/>
+        <a:font script="Telu" typeface="Gautami"/>
+        <a:font script="Taml" typeface="Latha"/>
+        <a:font script="Syrc" typeface="Estrangelo Edessa"/>
+        <a:font script="Orya" typeface="Kalinga"/>
+        <a:font script="Mlym" typeface="Kartika"/>
+        <a:font script="Laoo" typeface="DokChampa"/>
+        <a:font script="Sinh" typeface="Iskoola Pota"/>
+        <a:font script="Mong" typeface="Mongolian Baiti"/>
+        <a:font script="Viet" typeface="Arial"/>
+        <a:font script="Uigh" typeface="Microsoft Uighur"/>
+        <a:font script="Geor" typeface="Sylfaen"/>
+      </a:minorFont>
+    </a:fontScheme>
+    <a:fmtScheme name="Office">
+      <a:fillStyleLst>
+        <a:solidFill>
+          <a:schemeClr val="phClr"/>
+        </a:solidFill>
+        <a:gradFill rotWithShape="1">
+          <a:gsLst>
+            <a:gs pos="0">
+              <a:schemeClr val="phClr">
+                <a:lumMod val="110000"/>
+                <a:satMod val="105000"/>
+                <a:tint val="67000"/>
+              </a:schemeClr>
+            </a:gs>
+            <a:gs pos="50000">
+              <a:schemeClr val="phClr">
+                <a:lumMod val="105000"/>
+                <a:satMod val="103000"/>
+                <a:tint val="73000"/>
+              </a:schemeClr>
+            </a:gs>
+            <a:gs pos="100000">
+              <a:schemeClr val="phClr">
+                <a:lumMod val="105000"/>
+                <a:satMod val="109000"/>
+                <a:tint val="81000"/>
+              </a:schemeClr>
+            </a:gs>
+          </a:gsLst>
+          <a:lin ang="5400000" scaled="0"/>
+        </a:gradFill>
+        <a:gradFill rotWithShape="1">
+          <a:gsLst>
+            <a:gs pos="0">
+              <a:schemeClr val="phClr">
+                <a:satMod val="103000"/>
+                <a:lumMod val="102000"/>
+                <a:tint val="94000"/>
+              </a:schemeClr>
+            </a:gs>
+            <a:gs pos="50000">
+              <a:schemeClr val="phClr">
+                <a:satMod val="110000"/>
+                <a:lumMod val="100000"/>
+                <a:shade val="100000"/>
+              </a:schemeClr>
+            </a:gs>
+            <a:gs pos="100000">
+              <a:schemeClr val="phClr">
+                <a:lumMod val="99000"/>
+                <a:satMod val="120000"/>
+                <a:shade val="78000"/>
+              </a:schemeClr>
+            </a:gs>
+          </a:gsLst>
+          <a:lin ang="5400000" scaled="0"/>
+        </a:gradFill>
+      </a:fillStyleLst>
+      <a:lnStyleLst>
+        <a:ln w="6350" cap="flat" cmpd="sng" algn="ctr">
+          <a:solidFill>
+            <a:schemeClr val="phClr"/>
+          </a:solidFill>
+          <a:prstDash val="solid"/>
+          <a:miter lim="800000"/>
+        </a:ln>
+        <a:ln w="12700" cap="flat" cmpd="sng" algn="ctr">
+          <a:solidFill>
+            <a:schemeClr val="phClr"/>
+          </a:solidFill>
+          <a:prstDash val="solid"/>
+          <a:miter lim="800000"/>
+        </a:ln>
+        <a:ln w="19050" cap="flat" cmpd="sng" algn="ctr">
+          <a:solidFill>
+            <a:schemeClr val="phClr"/>
+          </a:solidFill>
+          <a:prstDash val="solid"/>
+          <a:miter lim="800000"/>
+        </a:ln>
+      </a:lnStyleLst>
+      <a:effectStyleLst>
+        <a:effectStyle>
+          <a:effectLst/>
+        </a:effectStyle>
+        <a:effectStyle>
+          <a:effectLst/>
+        </a:effectStyle>
+        <a:effectStyle>
+          <a:effectLst>
+            <a:outerShdw blurRad="57150" dist="19050" dir="5400000" algn="ctr" rotWithShape="0">
+              <a:srgbClr val="000000">
+                <a:alpha val="63000"/>
+              </a:srgbClr>
+            </a:outerShdw>
+          </a:effectLst>
+        </a:effectStyle>
+      </a:effectStyleLst>
+      <a:bgFillStyleLst>
+        <a:solidFill>
+          <a:schemeClr val="phClr"/>
+        </a:solidFill>
+        <a:solidFill>
+          <a:schemeClr val="phClr">
+            <a:tint val="95000"/>
+            <a:satMod val="170000"/>
+          </a:schemeClr>
+        </a:solidFill>
+        <a:gradFill rotWithShape="1">
+          <a:gsLst>
+            <a:gs pos="0">
+              <a:schemeClr val="phClr">
+                <a:tint val="93000"/>
+                <a:satMod val="150000"/>
+                <a:shade val="98000"/>
+                <a:lumMod val="102000"/>
+              </a:schemeClr>
+            </a:gs>
+            <a:gs pos="50000">
+              <a:schemeClr val="phClr">
+                <a:tint val="98000"/>
+                <a:satMod val="130000"/>
+                <a:shade val="90000"/>
+                <a:lumMod val="103000"/>
+              </a:schemeClr>
+            </a:gs>
+            <a:gs pos="100000">
+              <a:schemeClr val="phClr">
+                <a:shade val="63000"/>
+                <a:satMod val="120000"/>
+              </a:schemeClr>
+            </a:gs>
+          </a:gsLst>
+          <a:lin ang="5400000" scaled="0"/>
+        </a:gradFill>
+      </a:bgFillStyleLst>
+    </a:fmtScheme>
+  </a:themeElements>
+  <a:objectDefaults/>
+  <a:extraClrSchemeLst/>
+  <a:extLst>
+    <a:ext uri="{05A4C25C-085E-4340-85A3-A5531E510DB2}">
+      <thm15:themeFamily xmlns:thm15="http://schemas.microsoft.com/office/thememl/2012/main" name="Office Theme" id="{62F939B6-93AF-4DB8-9C6B-D6C7DFDC589F}" vid="{4A3C46E8-61CC-4603-A589-7422A47A8E4A}"/>
+    </a:ext>
+  </a:extLst>
+</a:theme>
 </file>
--- a/Presentacion.pptx
+++ b/Presentacion.pptx
@@ -3889,15 +3889,7 @@
           <a:p>
             <a:r>
               <a:rPr lang="es-ES" dirty="0" smtClean="0"/>
-              <a:t>Aplicaciones prácticas </a:t>
-            </a:r>
-            <a:r>
-              <a:rPr lang="es-ES" dirty="0" smtClean="0"/>
-              <a:t>II (Órbita</a:t>
-            </a:r>
-            <a:r>
-              <a:rPr lang="es-ES" dirty="0" smtClean="0"/>
-              <a:t>)	</a:t>
+              <a:t>Aplicaciones prácticas II (Órbita)	</a:t>
             </a:r>
             <a:endParaRPr lang="es-ES" dirty="0"/>
           </a:p>
@@ -3963,8 +3955,8 @@
           </a:prstGeom>
         </p:spPr>
       </p:pic>
-      <mc:AlternateContent xmlns:mc="http://schemas.openxmlformats.org/markup-compatibility/2006">
-        <mc:Choice xmlns:a14="http://schemas.microsoft.com/office/drawing/2010/main" Requires="a14">
+      <mc:AlternateContent xmlns:mc="http://schemas.openxmlformats.org/markup-compatibility/2006" xmlns:a14="http://schemas.microsoft.com/office/drawing/2010/main">
+        <mc:Choice Requires="a14">
           <p:sp>
             <p:nvSpPr>
               <p:cNvPr id="8" name="CuadroTexto 7"/>
@@ -3990,6 +3982,7 @@
               </a:bodyPr>
               <a:lstStyle/>
               <a:p>
+                <a:pPr/>
                 <a14:m>
                   <m:oMathPara xmlns:m="http://schemas.openxmlformats.org/officeDocument/2006/math">
                     <m:oMathParaPr>
@@ -4136,7 +4129,7 @@
             </p:txBody>
           </p:sp>
         </mc:Choice>
-        <mc:Fallback>
+        <mc:Fallback xmlns="">
           <p:sp>
             <p:nvSpPr>
               <p:cNvPr id="8" name="CuadroTexto 7"/>
@@ -4246,16 +4239,15 @@
           </p:cNvPicPr>
           <p:nvPr/>
         </p:nvPicPr>
-        <p:blipFill>
+        <p:blipFill rotWithShape="1">
           <a:blip r:embed="rId2"/>
-          <a:stretch>
-            <a:fillRect/>
-          </a:stretch>
+          <a:srcRect b="11868"/>
+          <a:stretch/>
         </p:blipFill>
         <p:spPr>
           <a:xfrm>
             <a:off x="1260199" y="3066889"/>
-            <a:ext cx="3657601" cy="2116532"/>
+            <a:ext cx="3657601" cy="1865329"/>
           </a:xfrm>
           <a:prstGeom prst="rect">
             <a:avLst/>
@@ -4308,15 +4300,7 @@
           <a:p>
             <a:r>
               <a:rPr lang="es-ES" dirty="0" smtClean="0"/>
-              <a:t>Aplicaciones prácticas </a:t>
-            </a:r>
-            <a:r>
-              <a:rPr lang="es-ES" dirty="0" smtClean="0"/>
-              <a:t>III (N-Cuerpos</a:t>
-            </a:r>
-            <a:r>
-              <a:rPr lang="es-ES" dirty="0" smtClean="0"/>
-              <a:t>)</a:t>
+              <a:t>Aplicaciones prácticas III (N-Cuerpos)</a:t>
             </a:r>
             <a:endParaRPr lang="es-ES" dirty="0"/>
           </a:p>
@@ -4538,7 +4522,6 @@
               <a:rPr lang="es-ES" sz="2800" dirty="0" smtClean="0"/>
               <a:t>Ejemplo P.O.O.</a:t>
             </a:r>
-            <a:endParaRPr lang="es-ES" sz="2800" dirty="0" smtClean="0"/>
           </a:p>
         </p:txBody>
       </p:sp>
@@ -4591,7 +4574,6 @@
               <a:rPr lang="es-ES" sz="2800" dirty="0" smtClean="0"/>
               <a:t>Problema N-Cuerpos</a:t>
             </a:r>
-            <a:endParaRPr lang="es-ES" sz="2800" dirty="0" smtClean="0"/>
           </a:p>
         </p:txBody>
       </p:sp>
@@ -4679,8 +4661,8 @@
           </a:prstGeom>
         </p:spPr>
       </p:pic>
-      <mc:AlternateContent xmlns:mc="http://schemas.openxmlformats.org/markup-compatibility/2006">
-        <mc:Choice xmlns:a14="http://schemas.microsoft.com/office/drawing/2010/main" Requires="a14">
+      <mc:AlternateContent xmlns:mc="http://schemas.openxmlformats.org/markup-compatibility/2006" xmlns:a14="http://schemas.microsoft.com/office/drawing/2010/main">
+        <mc:Choice Requires="a14">
           <p:sp>
             <p:nvSpPr>
               <p:cNvPr id="3" name="Marcador de contenido 2"/>
@@ -4912,7 +4894,7 @@
             </p:txBody>
           </p:sp>
         </mc:Choice>
-        <mc:Fallback>
+        <mc:Fallback xmlns="">
           <p:sp>
             <p:nvSpPr>
               <p:cNvPr id="3" name="Marcador de contenido 2"/>
@@ -5169,19 +5151,7 @@
           <a:p>
             <a:r>
               <a:rPr lang="es-ES" dirty="0" smtClean="0"/>
-              <a:t>Aplicaciones prácticas IV (Estimación </a:t>
-            </a:r>
-            <a:r>
-              <a:rPr lang="es-ES" dirty="0" smtClean="0"/>
-              <a:t>de </a:t>
-            </a:r>
-            <a:r>
-              <a:rPr lang="es-ES" dirty="0" smtClean="0"/>
-              <a:t>errores)</a:t>
-            </a:r>
-            <a:r>
-              <a:rPr lang="es-ES" dirty="0" smtClean="0"/>
-              <a:t>	</a:t>
+              <a:t>Aplicaciones prácticas IV (Estimación de errores)	</a:t>
             </a:r>
             <a:endParaRPr lang="es-ES" dirty="0"/>
           </a:p>
@@ -5330,7 +5300,6 @@
               <a:rPr lang="es-ES" dirty="0" smtClean="0"/>
               <a:t>Utilización de nuevas metodologías</a:t>
             </a:r>
-            <a:endParaRPr lang="es-ES" dirty="0" smtClean="0"/>
           </a:p>
           <a:p>
             <a:endParaRPr lang="es-ES" dirty="0" smtClean="0"/>
@@ -5606,11 +5575,7 @@
           <a:p>
             <a:r>
               <a:rPr lang="es-ES" dirty="0" smtClean="0"/>
-              <a:t>Conclusiones</a:t>
-            </a:r>
-            <a:r>
-              <a:rPr lang="es-ES" dirty="0" smtClean="0"/>
-              <a:t>	</a:t>
+              <a:t>Conclusiones	</a:t>
             </a:r>
             <a:endParaRPr lang="es-ES" dirty="0"/>
           </a:p>
@@ -5812,11 +5777,7 @@
           <a:p>
             <a:r>
               <a:rPr lang="es-ES" dirty="0" smtClean="0"/>
-              <a:t>Índice</a:t>
-            </a:r>
-            <a:r>
-              <a:rPr lang="es-ES" dirty="0" smtClean="0"/>
-              <a:t>	</a:t>
+              <a:t>Índice	</a:t>
             </a:r>
             <a:endParaRPr lang="es-ES" dirty="0"/>
           </a:p>
@@ -6793,15 +6754,7 @@
           <a:p>
             <a:r>
               <a:rPr lang="es-ES" dirty="0" smtClean="0"/>
-              <a:t>Conceptos </a:t>
-            </a:r>
-            <a:r>
-              <a:rPr lang="es-ES" dirty="0" smtClean="0"/>
-              <a:t>teóricos I</a:t>
-            </a:r>
-            <a:r>
-              <a:rPr lang="es-ES" dirty="0" smtClean="0"/>
-              <a:t>	</a:t>
+              <a:t>Conceptos teóricos I	</a:t>
             </a:r>
             <a:endParaRPr lang="es-ES" dirty="0"/>
           </a:p>
@@ -7089,11 +7042,7 @@
           <a:p>
             <a:r>
               <a:rPr lang="es-ES" dirty="0" smtClean="0"/>
-              <a:t>Concepto de p</a:t>
-            </a:r>
-            <a:r>
-              <a:rPr lang="es-ES" dirty="0" smtClean="0"/>
-              <a:t>unteros</a:t>
+              <a:t>Concepto de punteros</a:t>
             </a:r>
           </a:p>
           <a:p>
@@ -7624,19 +7573,7 @@
             <a:pPr algn="just"/>
             <a:r>
               <a:rPr lang="es-ES" dirty="0" smtClean="0"/>
-              <a:t>Intersección de la </a:t>
-            </a:r>
-            <a:r>
-              <a:rPr lang="es-ES" dirty="0" smtClean="0"/>
-              <a:t>trayectoria de una órbita </a:t>
-            </a:r>
-            <a:r>
-              <a:rPr lang="es-ES" dirty="0" smtClean="0"/>
-              <a:t>con un </a:t>
-            </a:r>
-            <a:r>
-              <a:rPr lang="es-ES" dirty="0" smtClean="0"/>
-              <a:t>plano</a:t>
+              <a:t>Intersección de la trayectoria de una órbita con un plano</a:t>
             </a:r>
           </a:p>
           <a:p>
@@ -7896,11 +7833,7 @@
           <a:p>
             <a:r>
               <a:rPr lang="es-ES" dirty="0" smtClean="0"/>
-              <a:t>Conceptos teóricos II (Mapa </a:t>
-            </a:r>
-            <a:r>
-              <a:rPr lang="es-ES" dirty="0" smtClean="0"/>
-              <a:t>de </a:t>
+              <a:t>Conceptos teóricos II (Mapa de </a:t>
             </a:r>
             <a:r>
               <a:rPr lang="es-ES" dirty="0" err="1" smtClean="0"/>
@@ -8050,15 +7983,7 @@
           <a:p>
             <a:r>
               <a:rPr lang="es-ES" dirty="0" smtClean="0"/>
-              <a:t>Conceptos teóricos II (Paradigmas </a:t>
-            </a:r>
-            <a:r>
-              <a:rPr lang="es-ES" dirty="0" smtClean="0"/>
-              <a:t>de </a:t>
-            </a:r>
-            <a:r>
-              <a:rPr lang="es-ES" dirty="0" smtClean="0"/>
-              <a:t>programación)</a:t>
+              <a:t>Conceptos teóricos II (Paradigmas de programación)</a:t>
             </a:r>
             <a:endParaRPr lang="es-ES" dirty="0"/>
           </a:p>
@@ -8351,7 +8276,6 @@
               <a:rPr lang="es-ES" sz="2400" dirty="0" smtClean="0"/>
               <a:t>Métodos</a:t>
             </a:r>
-            <a:endParaRPr lang="es-ES" sz="2400" dirty="0" smtClean="0"/>
           </a:p>
           <a:p>
             <a:pPr marL="742950" lvl="1" indent="-285750">
@@ -8362,7 +8286,6 @@
               <a:rPr lang="es-ES" sz="2400" dirty="0" smtClean="0"/>
               <a:t>Atributos</a:t>
             </a:r>
-            <a:endParaRPr lang="es-ES" sz="2400" dirty="0" smtClean="0"/>
           </a:p>
           <a:p>
             <a:pPr marL="285750" indent="-285750">
@@ -8582,11 +8505,7 @@
           <a:p>
             <a:r>
               <a:rPr lang="es-ES" dirty="0" smtClean="0"/>
-              <a:t>Estructura y metodología</a:t>
-            </a:r>
-            <a:r>
-              <a:rPr lang="es-ES" dirty="0" smtClean="0"/>
-              <a:t>	</a:t>
+              <a:t>Estructura y metodología	</a:t>
             </a:r>
             <a:endParaRPr lang="es-ES" dirty="0"/>
           </a:p>
@@ -9468,19 +9387,7 @@
           <a:p>
             <a:r>
               <a:rPr lang="es-ES" dirty="0" smtClean="0"/>
-              <a:t>Aplicaciones prácticas </a:t>
-            </a:r>
-            <a:r>
-              <a:rPr lang="es-ES" dirty="0" smtClean="0"/>
-              <a:t>I </a:t>
-            </a:r>
-            <a:r>
-              <a:rPr lang="es-ES" dirty="0" smtClean="0"/>
-              <a:t>(Estabilidad)</a:t>
-            </a:r>
-            <a:r>
-              <a:rPr lang="es-ES" dirty="0" smtClean="0"/>
-              <a:t>	</a:t>
+              <a:t>Aplicaciones prácticas I (Estabilidad)	</a:t>
             </a:r>
             <a:endParaRPr lang="es-ES" dirty="0"/>
           </a:p>
@@ -9611,7 +9518,7 @@
         </p:nvCxnSpPr>
         <p:spPr>
           <a:xfrm flipV="1">
-            <a:off x="2871537" y="3130290"/>
+            <a:off x="2857309" y="3173669"/>
             <a:ext cx="2235020" cy="254594"/>
           </a:xfrm>
           <a:prstGeom prst="straightConnector1">
@@ -9739,6 +9646,7 @@
           </a:bodyPr>
           <a:lstStyle/>
           <a:p>
+            <a:pPr algn="ctr"/>
             <a:r>
               <a:rPr lang="es-ES" sz="2800" dirty="0" smtClean="0"/>
               <a:t>Estable</a:t>
@@ -9755,7 +9663,7 @@
         </p:nvSpPr>
         <p:spPr>
           <a:xfrm>
-            <a:off x="5106557" y="2868680"/>
+            <a:off x="5092329" y="2912059"/>
             <a:ext cx="1678086" cy="523220"/>
           </a:xfrm>
           <a:prstGeom prst="rect">
@@ -9774,6 +9682,7 @@
           </a:bodyPr>
           <a:lstStyle/>
           <a:p>
+            <a:pPr algn="ctr"/>
             <a:r>
               <a:rPr lang="es-ES" sz="2800" dirty="0" smtClean="0"/>
               <a:t>Inestable</a:t>
@@ -9860,7 +9769,7 @@
         </p:nvCxnSpPr>
         <p:spPr>
           <a:xfrm flipH="1" flipV="1">
-            <a:off x="6784643" y="3130290"/>
+            <a:off x="6770415" y="3173669"/>
             <a:ext cx="3225631" cy="917585"/>
           </a:xfrm>
           <a:prstGeom prst="straightConnector1">
@@ -10286,19 +10195,7 @@
           <a:p>
             <a:r>
               <a:rPr lang="es-ES" dirty="0" smtClean="0"/>
-              <a:t>Aplicaciones prácticas </a:t>
-            </a:r>
-            <a:r>
-              <a:rPr lang="es-ES" dirty="0" smtClean="0"/>
-              <a:t>I </a:t>
-            </a:r>
-            <a:r>
-              <a:rPr lang="es-ES" dirty="0" smtClean="0"/>
-              <a:t>(Oscilador</a:t>
-            </a:r>
-            <a:r>
-              <a:rPr lang="es-ES" dirty="0" smtClean="0"/>
-              <a:t>)	</a:t>
+              <a:t>Aplicaciones prácticas I (Oscilador)	</a:t>
             </a:r>
             <a:endParaRPr lang="es-ES" dirty="0"/>
           </a:p>
@@ -10518,8 +10415,8 @@
           </a:p>
         </p:txBody>
       </p:sp>
-      <mc:AlternateContent xmlns:mc="http://schemas.openxmlformats.org/markup-compatibility/2006">
-        <mc:Choice xmlns:a14="http://schemas.microsoft.com/office/drawing/2010/main" Requires="a14">
+      <mc:AlternateContent xmlns:mc="http://schemas.openxmlformats.org/markup-compatibility/2006" xmlns:a14="http://schemas.microsoft.com/office/drawing/2010/main">
+        <mc:Choice Requires="a14">
           <p:sp>
             <p:nvSpPr>
               <p:cNvPr id="5" name="CuadroTexto 4"/>
@@ -10542,6 +10439,7 @@
               </a:bodyPr>
               <a:lstStyle/>
               <a:p>
+                <a:pPr/>
                 <a14:m>
                   <m:oMathPara xmlns:m="http://schemas.openxmlformats.org/officeDocument/2006/math">
                     <m:oMathParaPr>
@@ -10592,7 +10490,7 @@
             </p:txBody>
           </p:sp>
         </mc:Choice>
-        <mc:Fallback>
+        <mc:Fallback xmlns="">
           <p:sp>
             <p:nvSpPr>
               <p:cNvPr id="5" name="CuadroTexto 4"/>

--- a/Presentacion.pptx
+++ b/Presentacion.pptx
@@ -3571,14 +3571,15 @@
         </p:nvSpPr>
         <p:spPr/>
         <p:txBody>
-          <a:bodyPr/>
+          <a:bodyPr vert="horz" lIns="91440" tIns="45720" rIns="91440" bIns="45720" rtlCol="0" anchor="ctr"/>
           <a:lstStyle/>
           <a:p>
             <a:fld id="{B6E54122-A161-4A28-A205-323FD116BF0F}" type="slidenum">
-              <a:rPr lang="es-ES" smtClean="0"/>
+              <a:rPr lang="es-ES" sz="1600"/>
+              <a:pPr/>
               <a:t>1</a:t>
             </a:fld>
-            <a:endParaRPr lang="es-ES" dirty="0"/>
+            <a:endParaRPr lang="es-ES" sz="1600" dirty="0"/>
           </a:p>
         </p:txBody>
       </p:sp>
@@ -4187,10 +4188,10 @@
           <a:lstStyle/>
           <a:p>
             <a:fld id="{B6E54122-A161-4A28-A205-323FD116BF0F}" type="slidenum">
-              <a:rPr lang="es-ES" smtClean="0"/>
+              <a:rPr lang="es-ES" sz="1600" smtClean="0"/>
               <a:t>10</a:t>
             </a:fld>
-            <a:endParaRPr lang="es-ES"/>
+            <a:endParaRPr lang="es-ES" sz="1600" dirty="0"/>
           </a:p>
         </p:txBody>
       </p:sp>
@@ -4589,14 +4590,15 @@
         </p:nvSpPr>
         <p:spPr/>
         <p:txBody>
-          <a:bodyPr/>
+          <a:bodyPr vert="horz" lIns="91440" tIns="45720" rIns="91440" bIns="45720" rtlCol="0" anchor="ctr"/>
           <a:lstStyle/>
           <a:p>
             <a:fld id="{B6E54122-A161-4A28-A205-323FD116BF0F}" type="slidenum">
-              <a:rPr lang="es-ES" smtClean="0"/>
+              <a:rPr lang="es-ES" sz="1600"/>
+              <a:pPr/>
               <a:t>11</a:t>
             </a:fld>
-            <a:endParaRPr lang="es-ES"/>
+            <a:endParaRPr lang="es-ES" sz="1600"/>
           </a:p>
         </p:txBody>
       </p:sp>
@@ -5203,10 +5205,10 @@
           <a:lstStyle/>
           <a:p>
             <a:fld id="{B6E54122-A161-4A28-A205-323FD116BF0F}" type="slidenum">
-              <a:rPr lang="es-ES" smtClean="0"/>
+              <a:rPr lang="es-ES" sz="1600" smtClean="0"/>
               <a:t>12</a:t>
             </a:fld>
-            <a:endParaRPr lang="es-ES"/>
+            <a:endParaRPr lang="es-ES" sz="1600"/>
           </a:p>
         </p:txBody>
       </p:sp>
@@ -5597,10 +5599,10 @@
           <a:lstStyle/>
           <a:p>
             <a:fld id="{B6E54122-A161-4A28-A205-323FD116BF0F}" type="slidenum">
-              <a:rPr lang="es-ES" smtClean="0"/>
+              <a:rPr lang="es-ES" sz="1600" smtClean="0"/>
               <a:t>13</a:t>
             </a:fld>
-            <a:endParaRPr lang="es-ES"/>
+            <a:endParaRPr lang="es-ES" sz="1600"/>
           </a:p>
         </p:txBody>
       </p:sp>
@@ -5662,49 +5664,50 @@
           </a:p>
           <a:p>
             <a:r>
-              <a:rPr lang="es-ES" sz="2000" dirty="0" smtClean="0"/>
+              <a:rPr lang="es-ES" dirty="0" smtClean="0"/>
               <a:t>Introducción</a:t>
             </a:r>
-          </a:p>
-          <a:p>
-            <a:pPr marL="0" indent="0">
-              <a:buNone/>
-            </a:pPr>
-            <a:endParaRPr lang="es-ES" sz="2000" dirty="0" smtClean="0"/>
-          </a:p>
-          <a:p>
-            <a:r>
-              <a:rPr lang="es-ES" sz="2000" dirty="0" smtClean="0"/>
-              <a:t>Conceptos teóricos</a:t>
-            </a:r>
-          </a:p>
-          <a:p>
-            <a:endParaRPr lang="es-ES" sz="2000" dirty="0" smtClean="0"/>
-          </a:p>
-          <a:p>
-            <a:r>
-              <a:rPr lang="es-ES" sz="2000" dirty="0" smtClean="0"/>
-              <a:t>Estructura y metodología</a:t>
-            </a:r>
-          </a:p>
-          <a:p>
-            <a:endParaRPr lang="es-ES" sz="2000" dirty="0" smtClean="0"/>
-          </a:p>
-          <a:p>
-            <a:r>
-              <a:rPr lang="es-ES" sz="2000" dirty="0" smtClean="0"/>
-              <a:t>Aplicaciones prácticas</a:t>
-            </a:r>
-          </a:p>
-          <a:p>
-            <a:endParaRPr lang="es-ES" sz="2000" dirty="0"/>
-          </a:p>
-          <a:p>
-            <a:r>
-              <a:rPr lang="es-ES" sz="2000" dirty="0" smtClean="0"/>
+            <a:endParaRPr lang="es-ES" dirty="0" smtClean="0"/>
+          </a:p>
+          <a:p>
+            <a:r>
+              <a:rPr lang="es-ES" dirty="0" smtClean="0"/>
+              <a:t>Conceptos </a:t>
+            </a:r>
+            <a:r>
+              <a:rPr lang="es-ES" dirty="0" smtClean="0"/>
+              <a:t>teóricos</a:t>
+            </a:r>
+            <a:endParaRPr lang="es-ES" dirty="0" smtClean="0"/>
+          </a:p>
+          <a:p>
+            <a:r>
+              <a:rPr lang="es-ES" dirty="0" smtClean="0"/>
+              <a:t>Estructura y </a:t>
+            </a:r>
+            <a:r>
+              <a:rPr lang="es-ES" dirty="0" smtClean="0"/>
+              <a:t>metodología</a:t>
+            </a:r>
+            <a:endParaRPr lang="es-ES" dirty="0" smtClean="0"/>
+          </a:p>
+          <a:p>
+            <a:r>
+              <a:rPr lang="es-ES" dirty="0" smtClean="0"/>
+              <a:t>Aplicaciones </a:t>
+            </a:r>
+            <a:r>
+              <a:rPr lang="es-ES" dirty="0" smtClean="0"/>
+              <a:t>prácticas</a:t>
+            </a:r>
+            <a:endParaRPr lang="es-ES" dirty="0"/>
+          </a:p>
+          <a:p>
+            <a:r>
+              <a:rPr lang="es-ES" dirty="0" smtClean="0"/>
               <a:t>Conclusiones</a:t>
             </a:r>
-            <a:endParaRPr lang="es-ES" sz="2000" dirty="0"/>
+            <a:endParaRPr lang="es-ES" dirty="0"/>
           </a:p>
         </p:txBody>
       </p:sp>
@@ -5748,10 +5751,10 @@
           <a:lstStyle/>
           <a:p>
             <a:fld id="{B6E54122-A161-4A28-A205-323FD116BF0F}" type="slidenum">
-              <a:rPr lang="es-ES" smtClean="0"/>
+              <a:rPr lang="es-ES" sz="1600" smtClean="0"/>
               <a:t>2</a:t>
             </a:fld>
-            <a:endParaRPr lang="es-ES"/>
+            <a:endParaRPr lang="es-ES" sz="1600" dirty="0"/>
           </a:p>
         </p:txBody>
       </p:sp>
@@ -6611,14 +6614,15 @@
         </p:nvSpPr>
         <p:spPr/>
         <p:txBody>
-          <a:bodyPr/>
+          <a:bodyPr vert="horz" lIns="91440" tIns="45720" rIns="91440" bIns="45720" rtlCol="0" anchor="ctr"/>
           <a:lstStyle/>
           <a:p>
             <a:fld id="{B6E54122-A161-4A28-A205-323FD116BF0F}" type="slidenum">
-              <a:rPr lang="es-ES" smtClean="0"/>
+              <a:rPr lang="es-ES" sz="1600"/>
+              <a:pPr/>
               <a:t>3</a:t>
             </a:fld>
-            <a:endParaRPr lang="es-ES"/>
+            <a:endParaRPr lang="es-ES" sz="1600"/>
           </a:p>
         </p:txBody>
       </p:sp>
@@ -7104,14 +7108,15 @@
         </p:nvSpPr>
         <p:spPr/>
         <p:txBody>
-          <a:bodyPr/>
+          <a:bodyPr vert="horz" lIns="91440" tIns="45720" rIns="91440" bIns="45720" rtlCol="0" anchor="ctr"/>
           <a:lstStyle/>
           <a:p>
             <a:fld id="{B6E54122-A161-4A28-A205-323FD116BF0F}" type="slidenum">
-              <a:rPr lang="es-ES" smtClean="0"/>
+              <a:rPr lang="es-ES" sz="1600"/>
+              <a:pPr/>
               <a:t>4</a:t>
             </a:fld>
-            <a:endParaRPr lang="es-ES"/>
+            <a:endParaRPr lang="es-ES" sz="1600"/>
           </a:p>
         </p:txBody>
       </p:sp>
@@ -7889,14 +7894,15 @@
         </p:nvSpPr>
         <p:spPr/>
         <p:txBody>
-          <a:bodyPr/>
+          <a:bodyPr vert="horz" lIns="91440" tIns="45720" rIns="91440" bIns="45720" rtlCol="0" anchor="ctr"/>
           <a:lstStyle/>
           <a:p>
             <a:fld id="{B6E54122-A161-4A28-A205-323FD116BF0F}" type="slidenum">
-              <a:rPr lang="es-ES" smtClean="0"/>
+              <a:rPr lang="es-ES" sz="1600"/>
+              <a:pPr/>
               <a:t>5</a:t>
             </a:fld>
-            <a:endParaRPr lang="es-ES"/>
+            <a:endParaRPr lang="es-ES" sz="1600"/>
           </a:p>
         </p:txBody>
       </p:sp>
@@ -7974,7 +7980,7 @@
         <p:spPr>
           <a:xfrm>
             <a:off x="735114" y="1213750"/>
-            <a:ext cx="10839994" cy="1325563"/>
+            <a:ext cx="7633032" cy="1325563"/>
           </a:xfrm>
         </p:spPr>
         <p:txBody>
@@ -8376,10 +8382,10 @@
           <a:lstStyle/>
           <a:p>
             <a:fld id="{B6E54122-A161-4A28-A205-323FD116BF0F}" type="slidenum">
-              <a:rPr lang="es-ES" smtClean="0"/>
+              <a:rPr lang="es-ES" sz="1600" smtClean="0"/>
               <a:t>6</a:t>
             </a:fld>
-            <a:endParaRPr lang="es-ES"/>
+            <a:endParaRPr lang="es-ES" sz="1600" dirty="0"/>
           </a:p>
         </p:txBody>
       </p:sp>
@@ -9066,14 +9072,15 @@
         </p:nvSpPr>
         <p:spPr/>
         <p:txBody>
-          <a:bodyPr/>
+          <a:bodyPr vert="horz" lIns="91440" tIns="45720" rIns="91440" bIns="45720" rtlCol="0" anchor="ctr"/>
           <a:lstStyle/>
           <a:p>
             <a:fld id="{B6E54122-A161-4A28-A205-323FD116BF0F}" type="slidenum">
-              <a:rPr lang="es-ES" smtClean="0"/>
+              <a:rPr lang="es-ES" sz="1600"/>
+              <a:pPr/>
               <a:t>7</a:t>
             </a:fld>
-            <a:endParaRPr lang="es-ES"/>
+            <a:endParaRPr lang="es-ES" sz="1600"/>
           </a:p>
         </p:txBody>
       </p:sp>
@@ -9847,14 +9854,15 @@
         </p:nvSpPr>
         <p:spPr/>
         <p:txBody>
-          <a:bodyPr/>
+          <a:bodyPr vert="horz" lIns="91440" tIns="45720" rIns="91440" bIns="45720" rtlCol="0" anchor="ctr"/>
           <a:lstStyle/>
           <a:p>
             <a:fld id="{B6E54122-A161-4A28-A205-323FD116BF0F}" type="slidenum">
-              <a:rPr lang="es-ES" smtClean="0"/>
+              <a:rPr lang="es-ES" sz="1600"/>
+              <a:pPr/>
               <a:t>8</a:t>
             </a:fld>
-            <a:endParaRPr lang="es-ES"/>
+            <a:endParaRPr lang="es-ES" sz="1600"/>
           </a:p>
         </p:txBody>
       </p:sp>
@@ -10545,10 +10553,10 @@
           <a:lstStyle/>
           <a:p>
             <a:fld id="{B6E54122-A161-4A28-A205-323FD116BF0F}" type="slidenum">
-              <a:rPr lang="es-ES" smtClean="0"/>
+              <a:rPr lang="es-ES" sz="1600" smtClean="0"/>
               <a:t>9</a:t>
             </a:fld>
-            <a:endParaRPr lang="es-ES"/>
+            <a:endParaRPr lang="es-ES" sz="1600"/>
           </a:p>
         </p:txBody>
       </p:sp>
